--- a/Tutorial_3/Tutorial_3.pptx
+++ b/Tutorial_3/Tutorial_3.pptx
@@ -10,11 +10,14 @@
     <p:sldId id="258" r:id="rId4"/>
     <p:sldId id="259" r:id="rId5"/>
     <p:sldId id="261" r:id="rId6"/>
-    <p:sldId id="263" r:id="rId7"/>
-    <p:sldId id="266" r:id="rId8"/>
-    <p:sldId id="269" r:id="rId9"/>
-    <p:sldId id="271" r:id="rId10"/>
-    <p:sldId id="273" r:id="rId11"/>
+    <p:sldId id="274" r:id="rId7"/>
+    <p:sldId id="263" r:id="rId8"/>
+    <p:sldId id="266" r:id="rId9"/>
+    <p:sldId id="269" r:id="rId10"/>
+    <p:sldId id="275" r:id="rId11"/>
+    <p:sldId id="271" r:id="rId12"/>
+    <p:sldId id="276" r:id="rId13"/>
+    <p:sldId id="273" r:id="rId14"/>
   </p:sldIdLst>
   <p:sldSz cx="9144000" cy="5143500" type="screen16x9"/>
   <p:notesSz cx="6858000" cy="9144000"/>
@@ -311,7 +314,7 @@
           <a:p>
             <a:fld id="{241EB5C9-1307-BA42-ABA2-0BC069CD8E7F}" type="datetimeFigureOut">
               <a:rPr lang="en-US" smtClean="0"/>
-              <a:t>10/8/2024</a:t>
+              <a:t>10/9/2024</a:t>
             </a:fld>
             <a:endParaRPr lang="en-US"/>
           </a:p>
@@ -479,7 +482,7 @@
           <a:p>
             <a:fld id="{241EB5C9-1307-BA42-ABA2-0BC069CD8E7F}" type="datetimeFigureOut">
               <a:rPr lang="en-US" smtClean="0"/>
-              <a:t>10/8/2024</a:t>
+              <a:t>10/9/2024</a:t>
             </a:fld>
             <a:endParaRPr lang="en-US"/>
           </a:p>
@@ -657,7 +660,7 @@
           <a:p>
             <a:fld id="{241EB5C9-1307-BA42-ABA2-0BC069CD8E7F}" type="datetimeFigureOut">
               <a:rPr lang="en-US" smtClean="0"/>
-              <a:t>10/8/2024</a:t>
+              <a:t>10/9/2024</a:t>
             </a:fld>
             <a:endParaRPr lang="en-US"/>
           </a:p>
@@ -825,7 +828,7 @@
           <a:p>
             <a:fld id="{241EB5C9-1307-BA42-ABA2-0BC069CD8E7F}" type="datetimeFigureOut">
               <a:rPr lang="en-US" smtClean="0"/>
-              <a:t>10/8/2024</a:t>
+              <a:t>10/9/2024</a:t>
             </a:fld>
             <a:endParaRPr lang="en-US"/>
           </a:p>
@@ -1070,7 +1073,7 @@
           <a:p>
             <a:fld id="{241EB5C9-1307-BA42-ABA2-0BC069CD8E7F}" type="datetimeFigureOut">
               <a:rPr lang="en-US" smtClean="0"/>
-              <a:t>10/8/2024</a:t>
+              <a:t>10/9/2024</a:t>
             </a:fld>
             <a:endParaRPr lang="en-US"/>
           </a:p>
@@ -1355,7 +1358,7 @@
           <a:p>
             <a:fld id="{241EB5C9-1307-BA42-ABA2-0BC069CD8E7F}" type="datetimeFigureOut">
               <a:rPr lang="en-US" smtClean="0"/>
-              <a:t>10/8/2024</a:t>
+              <a:t>10/9/2024</a:t>
             </a:fld>
             <a:endParaRPr lang="en-US"/>
           </a:p>
@@ -1774,7 +1777,7 @@
           <a:p>
             <a:fld id="{241EB5C9-1307-BA42-ABA2-0BC069CD8E7F}" type="datetimeFigureOut">
               <a:rPr lang="en-US" smtClean="0"/>
-              <a:t>10/8/2024</a:t>
+              <a:t>10/9/2024</a:t>
             </a:fld>
             <a:endParaRPr lang="en-US"/>
           </a:p>
@@ -1891,7 +1894,7 @@
           <a:p>
             <a:fld id="{241EB5C9-1307-BA42-ABA2-0BC069CD8E7F}" type="datetimeFigureOut">
               <a:rPr lang="en-US" smtClean="0"/>
-              <a:t>10/8/2024</a:t>
+              <a:t>10/9/2024</a:t>
             </a:fld>
             <a:endParaRPr lang="en-US"/>
           </a:p>
@@ -1986,7 +1989,7 @@
           <a:p>
             <a:fld id="{241EB5C9-1307-BA42-ABA2-0BC069CD8E7F}" type="datetimeFigureOut">
               <a:rPr lang="en-US" smtClean="0"/>
-              <a:t>10/8/2024</a:t>
+              <a:t>10/9/2024</a:t>
             </a:fld>
             <a:endParaRPr lang="en-US"/>
           </a:p>
@@ -2261,7 +2264,7 @@
           <a:p>
             <a:fld id="{241EB5C9-1307-BA42-ABA2-0BC069CD8E7F}" type="datetimeFigureOut">
               <a:rPr lang="en-US" smtClean="0"/>
-              <a:t>10/8/2024</a:t>
+              <a:t>10/9/2024</a:t>
             </a:fld>
             <a:endParaRPr lang="en-US"/>
           </a:p>
@@ -2513,7 +2516,7 @@
           <a:p>
             <a:fld id="{241EB5C9-1307-BA42-ABA2-0BC069CD8E7F}" type="datetimeFigureOut">
               <a:rPr lang="en-US" smtClean="0"/>
-              <a:t>10/8/2024</a:t>
+              <a:t>10/9/2024</a:t>
             </a:fld>
             <a:endParaRPr lang="en-US"/>
           </a:p>
@@ -2724,7 +2727,7 @@
           <a:p>
             <a:fld id="{241EB5C9-1307-BA42-ABA2-0BC069CD8E7F}" type="datetimeFigureOut">
               <a:rPr lang="en-US" smtClean="0"/>
-              <a:t>10/8/2024</a:t>
+              <a:t>10/9/2024</a:t>
             </a:fld>
             <a:endParaRPr lang="en-US"/>
           </a:p>
@@ -3210,7 +3213,12 @@
             <p:ph type="title"/>
           </p:nvPr>
         </p:nvSpPr>
-        <p:spPr/>
+        <p:spPr>
+          <a:xfrm>
+            <a:off x="3519054" y="-222646"/>
+            <a:ext cx="8229600" cy="857250"/>
+          </a:xfrm>
+        </p:spPr>
         <p:txBody>
           <a:bodyPr/>
           <a:lstStyle/>
@@ -3219,1242 +3227,7 @@
               <a:buNone/>
             </a:pPr>
             <a:r>
-              <a:t>Task</a:t>
-            </a:r>
-          </a:p>
-        </p:txBody>
-      </p:sp>
-      <p:sp>
-        <p:nvSpPr>
-          <p:cNvPr id="3" name="Content Placeholder 2"/>
-          <p:cNvSpPr>
-            <a:spLocks noGrp="1"/>
-          </p:cNvSpPr>
-          <p:nvPr>
-            <p:ph idx="1"/>
-          </p:nvPr>
-        </p:nvSpPr>
-        <p:spPr/>
-        <p:txBody>
-          <a:bodyPr>
-            <a:normAutofit fontScale="55000" lnSpcReduction="20000"/>
-          </a:bodyPr>
-          <a:lstStyle/>
-          <a:p>
-            <a:pPr marL="0" lvl="0" indent="0">
-              <a:spcBef>
-                <a:spcPts val="3000"/>
-              </a:spcBef>
-              <a:buNone/>
-            </a:pPr>
-            <a:r>
-              <a:rPr b="1"/>
-              <a:t>Exercise: ATM and Customer Interaction with BankAccount</a:t>
-            </a:r>
-          </a:p>
-          <a:p>
-            <a:pPr marL="0" lvl="0" indent="0">
-              <a:buNone/>
-            </a:pPr>
-            <a:r>
-              <a:t>Overview This exercise simulates a real-world banking system where a Customer interacts with their BankAccount through an ATM. Only the ATM can modify the balance, allowing Customer requests for deposits and withdrawals while maintaining controlled access to sensitive account data.</a:t>
-            </a:r>
-          </a:p>
-          <a:p>
-            <a:pPr marL="0" lvl="0" indent="0">
-              <a:buNone/>
-            </a:pPr>
-            <a:r>
-              <a:t>Objectives Understand the concept of encapsulation and controlled access using access modifiers (public, private, package-private). Implement a system where only specific classes (ATM) can modify sensitive data (balance). Demonstrate interaction between multiple classes using method calls and access control.</a:t>
-            </a:r>
-          </a:p>
-          <a:p>
-            <a:pPr lvl="0" indent="0">
-              <a:buNone/>
-            </a:pPr>
-            <a:r>
-              <a:rPr>
-                <a:latin typeface="Courier"/>
-              </a:rPr>
-              <a:t>ATMExampleProject</a:t>
-            </a:r>
-            <a:br/>
-            <a:r>
-              <a:rPr>
-                <a:latin typeface="Courier"/>
-              </a:rPr>
-              <a:t>└── src</a:t>
-            </a:r>
-            <a:br/>
-            <a:r>
-              <a:rPr>
-                <a:latin typeface="Courier"/>
-              </a:rPr>
-              <a:t>    ├── mainPackage</a:t>
-            </a:r>
-            <a:br/>
-            <a:r>
-              <a:rPr>
-                <a:latin typeface="Courier"/>
-              </a:rPr>
-              <a:t>    │   └── Main.java</a:t>
-            </a:r>
-            <a:br/>
-            <a:r>
-              <a:rPr>
-                <a:latin typeface="Courier"/>
-              </a:rPr>
-              <a:t>    ├── customerPackage</a:t>
-            </a:r>
-            <a:br/>
-            <a:r>
-              <a:rPr>
-                <a:latin typeface="Courier"/>
-              </a:rPr>
-              <a:t>    │   └── Customer.java</a:t>
-            </a:r>
-            <a:br/>
-            <a:r>
-              <a:rPr>
-                <a:latin typeface="Courier"/>
-              </a:rPr>
-              <a:t>    └── bankPackage</a:t>
-            </a:r>
-            <a:br/>
-            <a:r>
-              <a:rPr>
-                <a:latin typeface="Courier"/>
-              </a:rPr>
-              <a:t>        ├── BankAccount.java</a:t>
-            </a:r>
-            <a:br/>
-            <a:r>
-              <a:rPr>
-                <a:latin typeface="Courier"/>
-              </a:rPr>
-              <a:t>        └── ATM.java</a:t>
-            </a:r>
-          </a:p>
-          <a:p>
-            <a:pPr marL="0" lvl="0" indent="0">
-              <a:buNone/>
-            </a:pPr>
-            <a:r>
-              <a:t>** Tip: look at Teams for the structure( optional)</a:t>
-            </a:r>
-          </a:p>
-        </p:txBody>
-      </p:sp>
-    </p:spTree>
-  </p:cSld>
-  <p:clrMapOvr>
-    <a:masterClrMapping/>
-  </p:clrMapOvr>
-</p:sld>
-</file>
-
-<file path=ppt/slides/slide2.xml><?xml version="1.0" encoding="utf-8"?>
-<p:sld xmlns:a="http://schemas.openxmlformats.org/drawingml/2006/main" xmlns:r="http://schemas.openxmlformats.org/officeDocument/2006/relationships" xmlns:p="http://schemas.openxmlformats.org/presentationml/2006/main">
-  <p:cSld>
-    <p:spTree>
-      <p:nvGrpSpPr>
-        <p:cNvPr id="1" name=""/>
-        <p:cNvGrpSpPr/>
-        <p:nvPr/>
-      </p:nvGrpSpPr>
-      <p:grpSpPr>
-        <a:xfrm>
-          <a:off x="0" y="0"/>
-          <a:ext cx="0" cy="0"/>
-          <a:chOff x="0" y="0"/>
-          <a:chExt cx="0" cy="0"/>
-        </a:xfrm>
-      </p:grpSpPr>
-      <p:sp>
-        <p:nvSpPr>
-          <p:cNvPr id="2" name="Title 1"/>
-          <p:cNvSpPr>
-            <a:spLocks noGrp="1"/>
-          </p:cNvSpPr>
-          <p:nvPr>
-            <p:ph type="title"/>
-          </p:nvPr>
-        </p:nvSpPr>
-        <p:spPr>
-          <a:xfrm>
-            <a:off x="457201" y="204787"/>
-            <a:ext cx="3008313" cy="871538"/>
-          </a:xfrm>
-        </p:spPr>
-        <p:txBody>
-          <a:bodyPr/>
-          <a:lstStyle/>
-          <a:p>
-            <a:pPr marL="0" lvl="0" indent="0">
-              <a:buNone/>
-            </a:pPr>
-            <a:r>
-              <a:t>Insertion Sort (</a:t>
-            </a:r>
-            <a:r>
-              <a:rPr>
-                <a:latin typeface="Courier"/>
-              </a:rPr>
-              <a:t>O(n^2)</a:t>
-            </a:r>
-            <a:r>
-              <a:t>, </a:t>
-            </a:r>
-            <a:r>
-              <a:rPr>
-                <a:latin typeface="Courier"/>
-              </a:rPr>
-              <a:t>Ω(n)</a:t>
-            </a:r>
-            <a:r>
-              <a:t>, </a:t>
-            </a:r>
-            <a:r>
-              <a:rPr>
-                <a:latin typeface="Courier"/>
-              </a:rPr>
-              <a:t>Θ(n^2)</a:t>
-            </a:r>
-            <a:r>
-              <a:t>)</a:t>
-            </a:r>
-          </a:p>
-        </p:txBody>
-      </p:sp>
-      <p:sp>
-        <p:nvSpPr>
-          <p:cNvPr id="4" name="Text Placeholder 3"/>
-          <p:cNvSpPr>
-            <a:spLocks noGrp="1"/>
-          </p:cNvSpPr>
-          <p:nvPr>
-            <p:ph type="body" sz="half" idx="2"/>
-          </p:nvPr>
-        </p:nvSpPr>
-        <p:spPr/>
-        <p:txBody>
-          <a:bodyPr/>
-          <a:lstStyle/>
-          <a:p>
-            <a:pPr lvl="0"/>
-            <a:r>
-              <a:rPr b="1"/>
-              <a:t>Upper Bound</a:t>
-            </a:r>
-            <a:r>
-              <a:t>: </a:t>
-            </a:r>
-            <a:r>
-              <a:rPr>
-                <a:latin typeface="Courier"/>
-              </a:rPr>
-              <a:t>O(n^2)</a:t>
-            </a:r>
-          </a:p>
-          <a:p>
-            <a:pPr lvl="1"/>
-            <a:r>
-              <a:t>In the worst case, the array is sorted in reverse order, so every new element has to be compared to all previously sorted elements, resulting in </a:t>
-            </a:r>
-            <a:r>
-              <a:rPr>
-                <a:latin typeface="Courier"/>
-              </a:rPr>
-              <a:t>n^2</a:t>
-            </a:r>
-            <a:r>
-              <a:t> comparisons.</a:t>
-            </a:r>
-          </a:p>
-          <a:p>
-            <a:pPr lvl="0"/>
-            <a:r>
-              <a:rPr b="1"/>
-              <a:t>Lower Bound</a:t>
-            </a:r>
-            <a:r>
-              <a:t>: </a:t>
-            </a:r>
-            <a:r>
-              <a:rPr>
-                <a:latin typeface="Courier"/>
-              </a:rPr>
-              <a:t>Ω(n)</a:t>
-            </a:r>
-          </a:p>
-          <a:p>
-            <a:pPr lvl="1"/>
-            <a:r>
-              <a:t>In the best case, the array is already sorted, and each element only needs to be compared once, resulting in a linear time of </a:t>
-            </a:r>
-            <a:r>
-              <a:rPr>
-                <a:latin typeface="Courier"/>
-              </a:rPr>
-              <a:t>n</a:t>
-            </a:r>
-            <a:r>
-              <a:t>.</a:t>
-            </a:r>
-          </a:p>
-          <a:p>
-            <a:pPr lvl="0"/>
-            <a:r>
-              <a:rPr b="1"/>
-              <a:t>Average Case</a:t>
-            </a:r>
-            <a:r>
-              <a:t>: </a:t>
-            </a:r>
-            <a:r>
-              <a:rPr>
-                <a:latin typeface="Courier"/>
-              </a:rPr>
-              <a:t>Θ(n^2)</a:t>
-            </a:r>
-          </a:p>
-          <a:p>
-            <a:pPr lvl="1"/>
-            <a:r>
-              <a:t>On average, the algorithm performs a number of comparisons close to quadratic as most elements will require shifting through multiple comparisons, especially for larger arrays.</a:t>
-            </a:r>
-          </a:p>
-        </p:txBody>
-      </p:sp>
-      <p:pic>
-        <p:nvPicPr>
-          <p:cNvPr id="3" name="Picture 1" descr="./images/InsertionSort.png"/>
-          <p:cNvPicPr>
-            <a:picLocks noGrp="1" noChangeAspect="1"/>
-          </p:cNvPicPr>
-          <p:nvPr/>
-        </p:nvPicPr>
-        <p:blipFill>
-          <a:blip r:embed="rId2"/>
-          <a:stretch>
-            <a:fillRect/>
-          </a:stretch>
-        </p:blipFill>
-        <p:spPr bwMode="auto">
-          <a:xfrm>
-            <a:off x="3568700" y="609600"/>
-            <a:ext cx="5105400" cy="3581400"/>
-          </a:xfrm>
-          <a:prstGeom prst="rect">
-            <a:avLst/>
-          </a:prstGeom>
-          <a:noFill/>
-          <a:ln w="9525">
-            <a:noFill/>
-            <a:headEnd/>
-            <a:tailEnd/>
-          </a:ln>
-        </p:spPr>
-      </p:pic>
-    </p:spTree>
-  </p:cSld>
-  <p:clrMapOvr>
-    <a:masterClrMapping/>
-  </p:clrMapOvr>
-</p:sld>
-</file>
-
-<file path=ppt/slides/slide3.xml><?xml version="1.0" encoding="utf-8"?>
-<p:sld xmlns:a="http://schemas.openxmlformats.org/drawingml/2006/main" xmlns:r="http://schemas.openxmlformats.org/officeDocument/2006/relationships" xmlns:p="http://schemas.openxmlformats.org/presentationml/2006/main">
-  <p:cSld>
-    <p:spTree>
-      <p:nvGrpSpPr>
-        <p:cNvPr id="1" name=""/>
-        <p:cNvGrpSpPr/>
-        <p:nvPr/>
-      </p:nvGrpSpPr>
-      <p:grpSpPr>
-        <a:xfrm>
-          <a:off x="0" y="0"/>
-          <a:ext cx="0" cy="0"/>
-          <a:chOff x="0" y="0"/>
-          <a:chExt cx="0" cy="0"/>
-        </a:xfrm>
-      </p:grpSpPr>
-      <p:sp>
-        <p:nvSpPr>
-          <p:cNvPr id="2" name="Title 1"/>
-          <p:cNvSpPr>
-            <a:spLocks noGrp="1"/>
-          </p:cNvSpPr>
-          <p:nvPr>
-            <p:ph type="title"/>
-          </p:nvPr>
-        </p:nvSpPr>
-        <p:spPr>
-          <a:xfrm>
-            <a:off x="457201" y="204787"/>
-            <a:ext cx="3008313" cy="871538"/>
-          </a:xfrm>
-        </p:spPr>
-        <p:txBody>
-          <a:bodyPr/>
-          <a:lstStyle/>
-          <a:p>
-            <a:pPr marL="0" lvl="0" indent="0">
-              <a:buNone/>
-            </a:pPr>
-            <a:r>
-              <a:t>Quick Sort (</a:t>
-            </a:r>
-            <a:r>
-              <a:rPr>
-                <a:latin typeface="Courier"/>
-              </a:rPr>
-              <a:t>O(n^2)</a:t>
-            </a:r>
-            <a:r>
-              <a:t>, </a:t>
-            </a:r>
-            <a:r>
-              <a:rPr>
-                <a:latin typeface="Courier"/>
-              </a:rPr>
-              <a:t>Ω(n log n)</a:t>
-            </a:r>
-            <a:r>
-              <a:t>, </a:t>
-            </a:r>
-            <a:r>
-              <a:rPr>
-                <a:latin typeface="Courier"/>
-              </a:rPr>
-              <a:t>Θ(n log n)</a:t>
-            </a:r>
-            <a:r>
-              <a:t>)</a:t>
-            </a:r>
-          </a:p>
-        </p:txBody>
-      </p:sp>
-      <p:sp>
-        <p:nvSpPr>
-          <p:cNvPr id="4" name="Text Placeholder 3"/>
-          <p:cNvSpPr>
-            <a:spLocks noGrp="1"/>
-          </p:cNvSpPr>
-          <p:nvPr>
-            <p:ph type="body" sz="half" idx="2"/>
-          </p:nvPr>
-        </p:nvSpPr>
-        <p:spPr/>
-        <p:txBody>
-          <a:bodyPr/>
-          <a:lstStyle/>
-          <a:p>
-            <a:pPr lvl="0"/>
-            <a:r>
-              <a:rPr b="1"/>
-              <a:t>Upper Bound</a:t>
-            </a:r>
-            <a:r>
-              <a:t>: </a:t>
-            </a:r>
-            <a:r>
-              <a:rPr>
-                <a:latin typeface="Courier"/>
-              </a:rPr>
-              <a:t>O(n^2)</a:t>
-            </a:r>
-          </a:p>
-          <a:p>
-            <a:pPr lvl="1"/>
-            <a:r>
-              <a:t>In the worst case, the algorithm will pick the smallest or largest element as the pivot in each iteration, leading to unbalanced partitions. This results in quadratic time complexity, </a:t>
-            </a:r>
-            <a:r>
-              <a:rPr>
-                <a:latin typeface="Courier"/>
-              </a:rPr>
-              <a:t>O(n^2)</a:t>
-            </a:r>
-            <a:r>
-              <a:t>.</a:t>
-            </a:r>
-          </a:p>
-          <a:p>
-            <a:pPr lvl="0"/>
-            <a:r>
-              <a:rPr b="1"/>
-              <a:t>Lower Bound</a:t>
-            </a:r>
-            <a:r>
-              <a:t>: </a:t>
-            </a:r>
-            <a:r>
-              <a:rPr>
-                <a:latin typeface="Courier"/>
-              </a:rPr>
-              <a:t>Ω(n log n)</a:t>
-            </a:r>
-          </a:p>
-          <a:p>
-            <a:pPr lvl="1"/>
-            <a:r>
-              <a:t>In the best case, the pivot divides the list into two equal-sized sub-lists, resulting in logarithmic depth and </a:t>
-            </a:r>
-            <a:r>
-              <a:rPr>
-                <a:latin typeface="Courier"/>
-              </a:rPr>
-              <a:t>n</a:t>
-            </a:r>
-            <a:r>
-              <a:t> comparisons per level. Thus, the time complexity is </a:t>
-            </a:r>
-            <a:r>
-              <a:rPr>
-                <a:latin typeface="Courier"/>
-              </a:rPr>
-              <a:t>O(n log n)</a:t>
-            </a:r>
-            <a:r>
-              <a:t>.</a:t>
-            </a:r>
-          </a:p>
-          <a:p>
-            <a:pPr lvl="0"/>
-            <a:r>
-              <a:rPr b="1"/>
-              <a:t>Average Case</a:t>
-            </a:r>
-            <a:r>
-              <a:t>: </a:t>
-            </a:r>
-            <a:r>
-              <a:rPr>
-                <a:latin typeface="Courier"/>
-              </a:rPr>
-              <a:t>Θ(n log n)</a:t>
-            </a:r>
-          </a:p>
-          <a:p>
-            <a:pPr lvl="1"/>
-            <a:r>
-              <a:t>On average, Quick Sort performs well because the pivot tends to split the list into fairly balanced partitions, making the expected time complexity </a:t>
-            </a:r>
-            <a:r>
-              <a:rPr>
-                <a:latin typeface="Courier"/>
-              </a:rPr>
-              <a:t>Θ(n log n)</a:t>
-            </a:r>
-            <a:r>
-              <a:t>. It’s suitable for large datasets.</a:t>
-            </a:r>
-          </a:p>
-        </p:txBody>
-      </p:sp>
-      <p:pic>
-        <p:nvPicPr>
-          <p:cNvPr id="3" name="Picture 1" descr="./images/quicksort.png"/>
-          <p:cNvPicPr>
-            <a:picLocks noGrp="1" noChangeAspect="1"/>
-          </p:cNvPicPr>
-          <p:nvPr/>
-        </p:nvPicPr>
-        <p:blipFill>
-          <a:blip r:embed="rId2"/>
-          <a:stretch>
-            <a:fillRect/>
-          </a:stretch>
-        </p:blipFill>
-        <p:spPr bwMode="auto">
-          <a:xfrm>
-            <a:off x="4305300" y="203200"/>
-            <a:ext cx="3644900" cy="4381500"/>
-          </a:xfrm>
-          <a:prstGeom prst="rect">
-            <a:avLst/>
-          </a:prstGeom>
-          <a:noFill/>
-          <a:ln w="9525">
-            <a:noFill/>
-            <a:headEnd/>
-            <a:tailEnd/>
-          </a:ln>
-        </p:spPr>
-      </p:pic>
-    </p:spTree>
-  </p:cSld>
-  <p:clrMapOvr>
-    <a:masterClrMapping/>
-  </p:clrMapOvr>
-</p:sld>
-</file>
-
-<file path=ppt/slides/slide4.xml><?xml version="1.0" encoding="utf-8"?>
-<p:sld xmlns:a="http://schemas.openxmlformats.org/drawingml/2006/main" xmlns:r="http://schemas.openxmlformats.org/officeDocument/2006/relationships" xmlns:p="http://schemas.openxmlformats.org/presentationml/2006/main">
-  <p:cSld>
-    <p:spTree>
-      <p:nvGrpSpPr>
-        <p:cNvPr id="1" name=""/>
-        <p:cNvGrpSpPr/>
-        <p:nvPr/>
-      </p:nvGrpSpPr>
-      <p:grpSpPr>
-        <a:xfrm>
-          <a:off x="0" y="0"/>
-          <a:ext cx="0" cy="0"/>
-          <a:chOff x="0" y="0"/>
-          <a:chExt cx="0" cy="0"/>
-        </a:xfrm>
-      </p:grpSpPr>
-      <p:sp>
-        <p:nvSpPr>
-          <p:cNvPr id="2" name="Title 1"/>
-          <p:cNvSpPr>
-            <a:spLocks noGrp="1"/>
-          </p:cNvSpPr>
-          <p:nvPr>
-            <p:ph type="title"/>
-          </p:nvPr>
-        </p:nvSpPr>
-        <p:spPr>
-          <a:xfrm>
-            <a:off x="457201" y="204787"/>
-            <a:ext cx="3008313" cy="871538"/>
-          </a:xfrm>
-        </p:spPr>
-        <p:txBody>
-          <a:bodyPr/>
-          <a:lstStyle/>
-          <a:p>
-            <a:pPr marL="0" lvl="0" indent="0">
-              <a:buNone/>
-            </a:pPr>
-            <a:r>
-              <a:t>Create Modules</a:t>
-            </a:r>
-          </a:p>
-        </p:txBody>
-      </p:sp>
-      <p:sp>
-        <p:nvSpPr>
-          <p:cNvPr id="4" name="Text Placeholder 3"/>
-          <p:cNvSpPr>
-            <a:spLocks noGrp="1"/>
-          </p:cNvSpPr>
-          <p:nvPr>
-            <p:ph type="body" sz="half" idx="2"/>
-          </p:nvPr>
-        </p:nvSpPr>
-        <p:spPr/>
-        <p:txBody>
-          <a:bodyPr/>
-          <a:lstStyle/>
-          <a:p>
-            <a:pPr marL="0" lvl="0" indent="0">
-              <a:spcBef>
-                <a:spcPts val="3000"/>
-              </a:spcBef>
-              <a:buNone/>
-            </a:pPr>
-            <a:r>
-              <a:rPr b="1"/>
-              <a:t>Right click on Project’s name</a:t>
-            </a:r>
-          </a:p>
-          <a:p>
-            <a:pPr marL="0" lvl="0" indent="0">
-              <a:spcBef>
-                <a:spcPts val="3000"/>
-              </a:spcBef>
-              <a:buNone/>
-            </a:pPr>
-            <a:r>
-              <a:rPr b="1"/>
-              <a:t>New -&gt; Module</a:t>
-            </a:r>
-          </a:p>
-          <a:p>
-            <a:pPr marL="0" lvl="0" indent="0">
-              <a:spcBef>
-                <a:spcPts val="3000"/>
-              </a:spcBef>
-              <a:buNone/>
-            </a:pPr>
-            <a:r>
-              <a:rPr b="1"/>
-              <a:t>Give a Name and specify the SDK</a:t>
-            </a:r>
-          </a:p>
-          <a:p>
-            <a:pPr marL="0" lvl="0" indent="0">
-              <a:spcBef>
-                <a:spcPts val="3000"/>
-              </a:spcBef>
-              <a:buNone/>
-            </a:pPr>
-            <a:r>
-              <a:rPr b="1"/>
-              <a:t>Then the new Module file looks like:</a:t>
-            </a:r>
-          </a:p>
-        </p:txBody>
-      </p:sp>
-      <p:pic>
-        <p:nvPicPr>
-          <p:cNvPr id="3" name="Picture 1" descr="images/module.png"/>
-          <p:cNvPicPr>
-            <a:picLocks noGrp="1" noChangeAspect="1"/>
-          </p:cNvPicPr>
-          <p:nvPr/>
-        </p:nvPicPr>
-        <p:blipFill>
-          <a:blip r:embed="rId2"/>
-          <a:stretch>
-            <a:fillRect/>
-          </a:stretch>
-        </p:blipFill>
-        <p:spPr bwMode="auto">
-          <a:xfrm>
-            <a:off x="2821899" y="1082644"/>
-            <a:ext cx="5105400" cy="495300"/>
-          </a:xfrm>
-          <a:prstGeom prst="rect">
-            <a:avLst/>
-          </a:prstGeom>
-          <a:noFill/>
-          <a:ln w="9525">
-            <a:noFill/>
-            <a:headEnd/>
-            <a:tailEnd/>
-          </a:ln>
-        </p:spPr>
-      </p:pic>
-      <p:pic>
-        <p:nvPicPr>
-          <p:cNvPr id="5" name="Picture 4" descr="code/module_2.png"/>
-          <p:cNvPicPr>
-            <a:picLocks noGrp="1" noChangeAspect="1"/>
-          </p:cNvPicPr>
-          <p:nvPr/>
-        </p:nvPicPr>
-        <p:blipFill>
-          <a:blip r:embed="rId3"/>
-          <a:stretch>
-            <a:fillRect/>
-          </a:stretch>
-        </p:blipFill>
-        <p:spPr bwMode="auto">
-          <a:xfrm>
-            <a:off x="2868116" y="1856561"/>
-            <a:ext cx="5353987" cy="1181513"/>
-          </a:xfrm>
-          <a:prstGeom prst="rect">
-            <a:avLst/>
-          </a:prstGeom>
-          <a:noFill/>
-          <a:ln w="9525">
-            <a:noFill/>
-            <a:headEnd/>
-            <a:tailEnd/>
-          </a:ln>
-        </p:spPr>
-      </p:pic>
-      <p:pic>
-        <p:nvPicPr>
-          <p:cNvPr id="7" name="Picture 1" descr="images/pack.png"/>
-          <p:cNvPicPr>
-            <a:picLocks noGrp="1" noChangeAspect="1"/>
-          </p:cNvPicPr>
-          <p:nvPr/>
-        </p:nvPicPr>
-        <p:blipFill>
-          <a:blip r:embed="rId4"/>
-          <a:stretch>
-            <a:fillRect/>
-          </a:stretch>
-        </p:blipFill>
-        <p:spPr bwMode="auto">
-          <a:xfrm>
-            <a:off x="457201" y="3307733"/>
-            <a:ext cx="2810448" cy="950799"/>
-          </a:xfrm>
-          <a:prstGeom prst="rect">
-            <a:avLst/>
-          </a:prstGeom>
-          <a:noFill/>
-          <a:ln w="9525">
-            <a:noFill/>
-            <a:headEnd/>
-            <a:tailEnd/>
-          </a:ln>
-        </p:spPr>
-      </p:pic>
-    </p:spTree>
-  </p:cSld>
-  <p:clrMapOvr>
-    <a:masterClrMapping/>
-  </p:clrMapOvr>
-</p:sld>
-</file>
-
-<file path=ppt/slides/slide5.xml><?xml version="1.0" encoding="utf-8"?>
-<p:sld xmlns:a="http://schemas.openxmlformats.org/drawingml/2006/main" xmlns:r="http://schemas.openxmlformats.org/officeDocument/2006/relationships" xmlns:p="http://schemas.openxmlformats.org/presentationml/2006/main">
-  <p:cSld>
-    <p:spTree>
-      <p:nvGrpSpPr>
-        <p:cNvPr id="1" name=""/>
-        <p:cNvGrpSpPr/>
-        <p:nvPr/>
-      </p:nvGrpSpPr>
-      <p:grpSpPr>
-        <a:xfrm>
-          <a:off x="0" y="0"/>
-          <a:ext cx="0" cy="0"/>
-          <a:chOff x="0" y="0"/>
-          <a:chExt cx="0" cy="0"/>
-        </a:xfrm>
-      </p:grpSpPr>
-      <p:sp>
-        <p:nvSpPr>
-          <p:cNvPr id="2" name="Title 1"/>
-          <p:cNvSpPr>
-            <a:spLocks noGrp="1"/>
-          </p:cNvSpPr>
-          <p:nvPr>
-            <p:ph type="title"/>
-          </p:nvPr>
-        </p:nvSpPr>
-        <p:spPr/>
-        <p:txBody>
-          <a:bodyPr/>
-          <a:lstStyle/>
-          <a:p>
-            <a:pPr marL="0" lvl="0" indent="0">
-              <a:buNone/>
-            </a:pPr>
-            <a:r>
-              <a:t>Class</a:t>
-            </a:r>
-          </a:p>
-        </p:txBody>
-      </p:sp>
-      <p:pic>
-        <p:nvPicPr>
-          <p:cNvPr id="3" name="Picture 1" descr="code/themainmain.png"/>
-          <p:cNvPicPr>
-            <a:picLocks noGrp="1" noChangeAspect="1"/>
-          </p:cNvPicPr>
-          <p:nvPr/>
-        </p:nvPicPr>
-        <p:blipFill>
-          <a:blip r:embed="rId2"/>
-          <a:stretch>
-            <a:fillRect/>
-          </a:stretch>
-        </p:blipFill>
-        <p:spPr bwMode="auto">
-          <a:xfrm>
-            <a:off x="4835309" y="917618"/>
-            <a:ext cx="4093832" cy="4535490"/>
-          </a:xfrm>
-          <a:prstGeom prst="rect">
-            <a:avLst/>
-          </a:prstGeom>
-          <a:noFill/>
-          <a:ln w="9525">
-            <a:noFill/>
-            <a:headEnd/>
-            <a:tailEnd/>
-          </a:ln>
-        </p:spPr>
-      </p:pic>
-      <p:pic>
-        <p:nvPicPr>
-          <p:cNvPr id="6" name="Picture 5" descr="images/modul.png"/>
-          <p:cNvPicPr>
-            <a:picLocks noGrp="1" noChangeAspect="1"/>
-          </p:cNvPicPr>
-          <p:nvPr/>
-        </p:nvPicPr>
-        <p:blipFill>
-          <a:blip r:embed="rId3"/>
-          <a:stretch>
-            <a:fillRect/>
-          </a:stretch>
-        </p:blipFill>
-        <p:spPr bwMode="auto">
-          <a:xfrm>
-            <a:off x="1165268" y="1705495"/>
-            <a:ext cx="2803161" cy="1732509"/>
-          </a:xfrm>
-          <a:prstGeom prst="rect">
-            <a:avLst/>
-          </a:prstGeom>
-          <a:noFill/>
-          <a:ln w="9525">
-            <a:noFill/>
-            <a:headEnd/>
-            <a:tailEnd/>
-          </a:ln>
-        </p:spPr>
-      </p:pic>
-    </p:spTree>
-  </p:cSld>
-  <p:clrMapOvr>
-    <a:masterClrMapping/>
-  </p:clrMapOvr>
-</p:sld>
-</file>
-
-<file path=ppt/slides/slide6.xml><?xml version="1.0" encoding="utf-8"?>
-<p:sld xmlns:a="http://schemas.openxmlformats.org/drawingml/2006/main" xmlns:r="http://schemas.openxmlformats.org/officeDocument/2006/relationships" xmlns:p="http://schemas.openxmlformats.org/presentationml/2006/main">
-  <p:cSld>
-    <p:spTree>
-      <p:nvGrpSpPr>
-        <p:cNvPr id="1" name=""/>
-        <p:cNvGrpSpPr/>
-        <p:nvPr/>
-      </p:nvGrpSpPr>
-      <p:grpSpPr>
-        <a:xfrm>
-          <a:off x="0" y="0"/>
-          <a:ext cx="0" cy="0"/>
-          <a:chOff x="0" y="0"/>
-          <a:chExt cx="0" cy="0"/>
-        </a:xfrm>
-      </p:grpSpPr>
-      <p:sp>
-        <p:nvSpPr>
-          <p:cNvPr id="2" name="Title 1"/>
-          <p:cNvSpPr>
-            <a:spLocks noGrp="1"/>
-          </p:cNvSpPr>
-          <p:nvPr>
-            <p:ph type="title"/>
-          </p:nvPr>
-        </p:nvSpPr>
-        <p:spPr>
-          <a:xfrm>
-            <a:off x="457201" y="204787"/>
-            <a:ext cx="3008313" cy="871538"/>
-          </a:xfrm>
-        </p:spPr>
-        <p:txBody>
-          <a:bodyPr/>
-          <a:lstStyle/>
-          <a:p>
-            <a:pPr marL="0" lvl="0" indent="0">
-              <a:buNone/>
-            </a:pPr>
-            <a:r>
-              <a:t>Create Packages</a:t>
-            </a:r>
-          </a:p>
-        </p:txBody>
-      </p:sp>
-      <p:sp>
-        <p:nvSpPr>
-          <p:cNvPr id="4" name="Text Placeholder 3"/>
-          <p:cNvSpPr>
-            <a:spLocks noGrp="1"/>
-          </p:cNvSpPr>
-          <p:nvPr>
-            <p:ph type="body" sz="half" idx="2"/>
-          </p:nvPr>
-        </p:nvSpPr>
-        <p:spPr/>
-        <p:txBody>
-          <a:bodyPr/>
-          <a:lstStyle/>
-          <a:p>
-            <a:pPr marL="342900" lvl="0" indent="-342900">
-              <a:buAutoNum type="arabicPeriod"/>
-            </a:pPr>
-            <a:r>
-              <a:t>Right click on src folder</a:t>
-            </a:r>
-          </a:p>
-          <a:p>
-            <a:pPr lvl="1"/>
-            <a:r>
-              <a:t>New -&gt; Package</a:t>
-            </a:r>
-          </a:p>
-          <a:p>
-            <a:pPr marL="342900" lvl="0" indent="-342900">
-              <a:buAutoNum type="arabicPeriod"/>
-            </a:pPr>
-            <a:r>
-              <a:t>Create the packages and sub-packages of image</a:t>
-            </a:r>
-          </a:p>
-        </p:txBody>
-      </p:sp>
-      <p:pic>
-        <p:nvPicPr>
-          <p:cNvPr id="5" name="Picture 4" descr="images/fixed_pack.png"/>
-          <p:cNvPicPr>
-            <a:picLocks noGrp="1" noChangeAspect="1"/>
-          </p:cNvPicPr>
-          <p:nvPr/>
-        </p:nvPicPr>
-        <p:blipFill>
-          <a:blip r:embed="rId2"/>
-          <a:stretch>
-            <a:fillRect/>
-          </a:stretch>
-        </p:blipFill>
-        <p:spPr bwMode="auto">
-          <a:xfrm>
-            <a:off x="374349" y="1886248"/>
-            <a:ext cx="2896611" cy="3156715"/>
-          </a:xfrm>
-          <a:prstGeom prst="rect">
-            <a:avLst/>
-          </a:prstGeom>
-          <a:noFill/>
-          <a:ln w="9525">
-            <a:noFill/>
-            <a:headEnd/>
-            <a:tailEnd/>
-          </a:ln>
-        </p:spPr>
-      </p:pic>
-      <p:pic>
-        <p:nvPicPr>
-          <p:cNvPr id="7" name="Picture 6" descr="code/packpack.png"/>
-          <p:cNvPicPr>
-            <a:picLocks noGrp="1" noChangeAspect="1"/>
-          </p:cNvPicPr>
-          <p:nvPr/>
-        </p:nvPicPr>
-        <p:blipFill>
-          <a:blip r:embed="rId3"/>
-          <a:stretch>
-            <a:fillRect/>
-          </a:stretch>
-        </p:blipFill>
-        <p:spPr bwMode="auto">
-          <a:xfrm>
-            <a:off x="3465514" y="1343622"/>
-            <a:ext cx="7087797" cy="2723552"/>
-          </a:xfrm>
-          <a:prstGeom prst="rect">
-            <a:avLst/>
-          </a:prstGeom>
-          <a:noFill/>
-          <a:ln w="9525">
-            <a:noFill/>
-            <a:headEnd/>
-            <a:tailEnd/>
-          </a:ln>
-        </p:spPr>
-      </p:pic>
-    </p:spTree>
-  </p:cSld>
-  <p:clrMapOvr>
-    <a:masterClrMapping/>
-  </p:clrMapOvr>
-</p:sld>
-</file>
-
-<file path=ppt/slides/slide7.xml><?xml version="1.0" encoding="utf-8"?>
-<p:sld xmlns:a="http://schemas.openxmlformats.org/drawingml/2006/main" xmlns:r="http://schemas.openxmlformats.org/officeDocument/2006/relationships" xmlns:p="http://schemas.openxmlformats.org/presentationml/2006/main">
-  <p:cSld>
-    <p:spTree>
-      <p:nvGrpSpPr>
-        <p:cNvPr id="1" name=""/>
-        <p:cNvGrpSpPr/>
-        <p:nvPr/>
-      </p:nvGrpSpPr>
-      <p:grpSpPr>
-        <a:xfrm>
-          <a:off x="0" y="0"/>
-          <a:ext cx="0" cy="0"/>
-          <a:chOff x="0" y="0"/>
-          <a:chExt cx="0" cy="0"/>
-        </a:xfrm>
-      </p:grpSpPr>
-      <p:sp>
-        <p:nvSpPr>
-          <p:cNvPr id="2" name="Title 1"/>
-          <p:cNvSpPr>
-            <a:spLocks noGrp="1"/>
-          </p:cNvSpPr>
-          <p:nvPr>
-            <p:ph type="title"/>
-          </p:nvPr>
-        </p:nvSpPr>
-        <p:spPr/>
-        <p:txBody>
-          <a:bodyPr/>
-          <a:lstStyle/>
-          <a:p>
-            <a:pPr marL="0" lvl="0" indent="0" algn="l">
-              <a:buNone/>
-            </a:pPr>
-            <a:r>
               <a:rPr dirty="0"/>
-              <a:t>Example 1: </a:t>
-            </a:r>
-            <a:r>
-              <a:rPr lang="en-US" dirty="0"/>
-              <a:t>P</a:t>
-            </a:r>
-            <a:r>
-              <a:rPr dirty="0"/>
-              <a:t>ackage</a:t>
-            </a:r>
-            <a:r>
-              <a:rPr lang="en-US" dirty="0"/>
-              <a:t> </a:t>
-            </a:r>
-            <a:r>
-              <a:rPr lang="en-US" dirty="0" err="1"/>
-              <a:t>University_pack</a:t>
-            </a:r>
-            <a:endParaRPr dirty="0"/>
-          </a:p>
-        </p:txBody>
-      </p:sp>
-      <p:pic>
-        <p:nvPicPr>
-          <p:cNvPr id="3" name="Picture 1" descr="code/building.png"/>
-          <p:cNvPicPr>
-            <a:picLocks noGrp="1" noChangeAspect="1"/>
-          </p:cNvPicPr>
-          <p:nvPr/>
-        </p:nvPicPr>
-        <p:blipFill>
-          <a:blip r:embed="rId2"/>
-          <a:stretch>
-            <a:fillRect/>
-          </a:stretch>
-        </p:blipFill>
-        <p:spPr bwMode="auto">
-          <a:xfrm>
-            <a:off x="-283556" y="1150713"/>
-            <a:ext cx="3365500" cy="3390900"/>
-          </a:xfrm>
-          <a:prstGeom prst="rect">
-            <a:avLst/>
-          </a:prstGeom>
-          <a:noFill/>
-          <a:ln w="9525">
-            <a:noFill/>
-            <a:headEnd/>
-            <a:tailEnd/>
-          </a:ln>
-        </p:spPr>
-      </p:pic>
-      <p:pic>
-        <p:nvPicPr>
-          <p:cNvPr id="4" name="Picture 3" descr="code/department.png"/>
-          <p:cNvPicPr>
-            <a:picLocks noGrp="1" noChangeAspect="1"/>
-          </p:cNvPicPr>
-          <p:nvPr/>
-        </p:nvPicPr>
-        <p:blipFill>
-          <a:blip r:embed="rId3"/>
-          <a:stretch>
-            <a:fillRect/>
-          </a:stretch>
-        </p:blipFill>
-        <p:spPr bwMode="auto">
-          <a:xfrm>
-            <a:off x="2113586" y="1150713"/>
-            <a:ext cx="3314700" cy="3390900"/>
-          </a:xfrm>
-          <a:prstGeom prst="rect">
-            <a:avLst/>
-          </a:prstGeom>
-          <a:noFill/>
-          <a:ln w="9525">
-            <a:noFill/>
-            <a:headEnd/>
-            <a:tailEnd/>
-          </a:ln>
-        </p:spPr>
-      </p:pic>
-      <p:pic>
-        <p:nvPicPr>
-          <p:cNvPr id="5" name="Picture 1" descr="code/university.png"/>
-          <p:cNvPicPr>
-            <a:picLocks noGrp="1" noChangeAspect="1"/>
-          </p:cNvPicPr>
-          <p:nvPr/>
-        </p:nvPicPr>
-        <p:blipFill>
-          <a:blip r:embed="rId4"/>
-          <a:stretch>
-            <a:fillRect/>
-          </a:stretch>
-        </p:blipFill>
-        <p:spPr bwMode="auto">
-          <a:xfrm>
-            <a:off x="4912863" y="875265"/>
-            <a:ext cx="4126206" cy="4571357"/>
-          </a:xfrm>
-          <a:prstGeom prst="rect">
-            <a:avLst/>
-          </a:prstGeom>
-          <a:noFill/>
-          <a:ln w="9525">
-            <a:noFill/>
-            <a:headEnd/>
-            <a:tailEnd/>
-          </a:ln>
-        </p:spPr>
-      </p:pic>
-    </p:spTree>
-  </p:cSld>
-  <p:clrMapOvr>
-    <a:masterClrMapping/>
-  </p:clrMapOvr>
-</p:sld>
-</file>
-
-<file path=ppt/slides/slide8.xml><?xml version="1.0" encoding="utf-8"?>
-<p:sld xmlns:a="http://schemas.openxmlformats.org/drawingml/2006/main" xmlns:r="http://schemas.openxmlformats.org/officeDocument/2006/relationships" xmlns:p="http://schemas.openxmlformats.org/presentationml/2006/main">
-  <p:cSld>
-    <p:spTree>
-      <p:nvGrpSpPr>
-        <p:cNvPr id="1" name=""/>
-        <p:cNvGrpSpPr/>
-        <p:nvPr/>
-      </p:nvGrpSpPr>
-      <p:grpSpPr>
-        <a:xfrm>
-          <a:off x="0" y="0"/>
-          <a:ext cx="0" cy="0"/>
-          <a:chOff x="0" y="0"/>
-          <a:chExt cx="0" cy="0"/>
-        </a:xfrm>
-      </p:grpSpPr>
-      <p:sp>
-        <p:nvSpPr>
-          <p:cNvPr id="2" name="Title 1"/>
-          <p:cNvSpPr>
-            <a:spLocks noGrp="1"/>
-          </p:cNvSpPr>
-          <p:nvPr>
-            <p:ph type="title"/>
-          </p:nvPr>
-        </p:nvSpPr>
-        <p:spPr/>
-        <p:txBody>
-          <a:bodyPr/>
-          <a:lstStyle/>
-          <a:p>
-            <a:pPr marL="0" lvl="0" indent="0">
-              <a:buNone/>
-            </a:pPr>
-            <a:r>
               <a:t>Example 1: Main</a:t>
             </a:r>
           </a:p>
@@ -4476,8 +3249,8 @@
         </p:blipFill>
         <p:spPr bwMode="auto">
           <a:xfrm>
-            <a:off x="2312131" y="842787"/>
-            <a:ext cx="4792421" cy="4521471"/>
+            <a:off x="225218" y="-170996"/>
+            <a:ext cx="5977108" cy="5639179"/>
           </a:xfrm>
           <a:prstGeom prst="rect">
             <a:avLst/>
@@ -4490,7 +3263,42 @@
           </a:ln>
         </p:spPr>
       </p:pic>
+      <p:pic>
+        <p:nvPicPr>
+          <p:cNvPr id="5" name="Picture 4" descr="A white rectangular object with black text&#10;&#10;Description automatically generated">
+            <a:extLst>
+              <a:ext uri="{FF2B5EF4-FFF2-40B4-BE49-F238E27FC236}">
+                <a16:creationId xmlns:a16="http://schemas.microsoft.com/office/drawing/2014/main" id="{90DBA302-84E2-BD80-BFFE-0FEEDF78DBFD}"/>
+              </a:ext>
+            </a:extLst>
+          </p:cNvPr>
+          <p:cNvPicPr>
+            <a:picLocks noChangeAspect="1"/>
+          </p:cNvPicPr>
+          <p:nvPr/>
+        </p:nvPicPr>
+        <p:blipFill>
+          <a:blip r:embed="rId3"/>
+          <a:stretch>
+            <a:fillRect/>
+          </a:stretch>
+        </p:blipFill>
+        <p:spPr>
+          <a:xfrm>
+            <a:off x="5537025" y="531628"/>
+            <a:ext cx="8724779" cy="2677824"/>
+          </a:xfrm>
+          <a:prstGeom prst="rect">
+            <a:avLst/>
+          </a:prstGeom>
+        </p:spPr>
+      </p:pic>
     </p:spTree>
+    <p:extLst>
+      <p:ext uri="{BB962C8B-B14F-4D97-AF65-F5344CB8AC3E}">
+        <p14:creationId xmlns:p14="http://schemas.microsoft.com/office/powerpoint/2010/main" val="1043690168"/>
+      </p:ext>
+    </p:extLst>
   </p:cSld>
   <p:clrMapOvr>
     <a:masterClrMapping/>
@@ -4498,7 +3306,7 @@
 </p:sld>
 </file>
 
-<file path=ppt/slides/slide9.xml><?xml version="1.0" encoding="utf-8"?>
+<file path=ppt/slides/slide11.xml><?xml version="1.0" encoding="utf-8"?>
 <p:sld xmlns:a="http://schemas.openxmlformats.org/drawingml/2006/main" xmlns:r="http://schemas.openxmlformats.org/officeDocument/2006/relationships" xmlns:p="http://schemas.openxmlformats.org/presentationml/2006/main">
   <p:cSld>
     <p:spTree>
@@ -4641,6 +3449,1669 @@
           </a:p>
         </p:txBody>
       </p:sp>
+    </p:spTree>
+  </p:cSld>
+  <p:clrMapOvr>
+    <a:masterClrMapping/>
+  </p:clrMapOvr>
+</p:sld>
+</file>
+
+<file path=ppt/slides/slide12.xml><?xml version="1.0" encoding="utf-8"?>
+<p:sld xmlns:a="http://schemas.openxmlformats.org/drawingml/2006/main" xmlns:r="http://schemas.openxmlformats.org/officeDocument/2006/relationships" xmlns:p="http://schemas.openxmlformats.org/presentationml/2006/main">
+  <p:cSld>
+    <p:spTree>
+      <p:nvGrpSpPr>
+        <p:cNvPr id="1" name=""/>
+        <p:cNvGrpSpPr/>
+        <p:nvPr/>
+      </p:nvGrpSpPr>
+      <p:grpSpPr>
+        <a:xfrm>
+          <a:off x="0" y="0"/>
+          <a:ext cx="0" cy="0"/>
+          <a:chOff x="0" y="0"/>
+          <a:chExt cx="0" cy="0"/>
+        </a:xfrm>
+      </p:grpSpPr>
+      <p:pic>
+        <p:nvPicPr>
+          <p:cNvPr id="7" name="Picture 6" descr="A white rectangular object with a black border&#10;&#10;Description automatically generated">
+            <a:extLst>
+              <a:ext uri="{FF2B5EF4-FFF2-40B4-BE49-F238E27FC236}">
+                <a16:creationId xmlns:a16="http://schemas.microsoft.com/office/drawing/2014/main" id="{ED824DA7-A223-2D69-6BF4-883341DA4F4A}"/>
+              </a:ext>
+            </a:extLst>
+          </p:cNvPr>
+          <p:cNvPicPr>
+            <a:picLocks noChangeAspect="1"/>
+          </p:cNvPicPr>
+          <p:nvPr/>
+        </p:nvPicPr>
+        <p:blipFill>
+          <a:blip r:embed="rId2"/>
+          <a:stretch>
+            <a:fillRect/>
+          </a:stretch>
+        </p:blipFill>
+        <p:spPr>
+          <a:xfrm>
+            <a:off x="-117764" y="3103144"/>
+            <a:ext cx="9144000" cy="2206885"/>
+          </a:xfrm>
+          <a:prstGeom prst="rect">
+            <a:avLst/>
+          </a:prstGeom>
+        </p:spPr>
+      </p:pic>
+      <p:pic>
+        <p:nvPicPr>
+          <p:cNvPr id="2" name="Picture 1" descr="code/inpack.png"/>
+          <p:cNvPicPr>
+            <a:picLocks noGrp="1" noChangeAspect="1"/>
+          </p:cNvPicPr>
+          <p:nvPr/>
+        </p:nvPicPr>
+        <p:blipFill>
+          <a:blip r:embed="rId3"/>
+          <a:stretch>
+            <a:fillRect/>
+          </a:stretch>
+        </p:blipFill>
+        <p:spPr bwMode="auto">
+          <a:xfrm>
+            <a:off x="3892184" y="-565241"/>
+            <a:ext cx="5251816" cy="3136991"/>
+          </a:xfrm>
+          <a:prstGeom prst="rect">
+            <a:avLst/>
+          </a:prstGeom>
+          <a:noFill/>
+          <a:ln w="9525">
+            <a:noFill/>
+            <a:headEnd/>
+            <a:tailEnd/>
+          </a:ln>
+        </p:spPr>
+      </p:pic>
+      <p:pic>
+        <p:nvPicPr>
+          <p:cNvPr id="3" name="Picture 2" descr="code/inpackk.png"/>
+          <p:cNvPicPr>
+            <a:picLocks noGrp="1" noChangeAspect="1"/>
+          </p:cNvPicPr>
+          <p:nvPr/>
+        </p:nvPicPr>
+        <p:blipFill>
+          <a:blip r:embed="rId4"/>
+          <a:stretch>
+            <a:fillRect/>
+          </a:stretch>
+        </p:blipFill>
+        <p:spPr bwMode="auto">
+          <a:xfrm>
+            <a:off x="3892184" y="2239353"/>
+            <a:ext cx="6062499" cy="3136991"/>
+          </a:xfrm>
+          <a:prstGeom prst="rect">
+            <a:avLst/>
+          </a:prstGeom>
+          <a:noFill/>
+          <a:ln w="9525">
+            <a:noFill/>
+            <a:headEnd/>
+            <a:tailEnd/>
+          </a:ln>
+        </p:spPr>
+      </p:pic>
+      <p:pic>
+        <p:nvPicPr>
+          <p:cNvPr id="4" name="Picture 1" descr="code/img.png"/>
+          <p:cNvPicPr>
+            <a:picLocks noGrp="1" noChangeAspect="1"/>
+          </p:cNvPicPr>
+          <p:nvPr/>
+        </p:nvPicPr>
+        <p:blipFill>
+          <a:blip r:embed="rId5"/>
+          <a:stretch>
+            <a:fillRect/>
+          </a:stretch>
+        </p:blipFill>
+        <p:spPr bwMode="auto">
+          <a:xfrm>
+            <a:off x="781050" y="1003254"/>
+            <a:ext cx="2814144" cy="2165350"/>
+          </a:xfrm>
+          <a:prstGeom prst="rect">
+            <a:avLst/>
+          </a:prstGeom>
+          <a:noFill/>
+          <a:ln w="9525">
+            <a:noFill/>
+            <a:headEnd/>
+            <a:tailEnd/>
+          </a:ln>
+        </p:spPr>
+      </p:pic>
+      <p:sp>
+        <p:nvSpPr>
+          <p:cNvPr id="6" name="TextBox 5">
+            <a:extLst>
+              <a:ext uri="{FF2B5EF4-FFF2-40B4-BE49-F238E27FC236}">
+                <a16:creationId xmlns:a16="http://schemas.microsoft.com/office/drawing/2014/main" id="{3F6CE421-5D30-BAF3-6A33-000B150D93C9}"/>
+              </a:ext>
+            </a:extLst>
+          </p:cNvPr>
+          <p:cNvSpPr txBox="1"/>
+          <p:nvPr/>
+        </p:nvSpPr>
+        <p:spPr>
+          <a:xfrm>
+            <a:off x="1238250" y="467724"/>
+            <a:ext cx="4978400" cy="369332"/>
+          </a:xfrm>
+          <a:prstGeom prst="rect">
+            <a:avLst/>
+          </a:prstGeom>
+          <a:noFill/>
+        </p:spPr>
+        <p:txBody>
+          <a:bodyPr wrap="square">
+            <a:spAutoFit/>
+          </a:bodyPr>
+          <a:lstStyle/>
+          <a:p>
+            <a:r>
+              <a:rPr lang="en-US" dirty="0"/>
+              <a:t>Next Example</a:t>
+            </a:r>
+            <a:endParaRPr lang="en-CY" dirty="0"/>
+          </a:p>
+        </p:txBody>
+      </p:sp>
+    </p:spTree>
+    <p:extLst>
+      <p:ext uri="{BB962C8B-B14F-4D97-AF65-F5344CB8AC3E}">
+        <p14:creationId xmlns:p14="http://schemas.microsoft.com/office/powerpoint/2010/main" val="373237786"/>
+      </p:ext>
+    </p:extLst>
+  </p:cSld>
+  <p:clrMapOvr>
+    <a:masterClrMapping/>
+  </p:clrMapOvr>
+</p:sld>
+</file>
+
+<file path=ppt/slides/slide13.xml><?xml version="1.0" encoding="utf-8"?>
+<p:sld xmlns:a="http://schemas.openxmlformats.org/drawingml/2006/main" xmlns:r="http://schemas.openxmlformats.org/officeDocument/2006/relationships" xmlns:p="http://schemas.openxmlformats.org/presentationml/2006/main">
+  <p:cSld>
+    <p:spTree>
+      <p:nvGrpSpPr>
+        <p:cNvPr id="1" name=""/>
+        <p:cNvGrpSpPr/>
+        <p:nvPr/>
+      </p:nvGrpSpPr>
+      <p:grpSpPr>
+        <a:xfrm>
+          <a:off x="0" y="0"/>
+          <a:ext cx="0" cy="0"/>
+          <a:chOff x="0" y="0"/>
+          <a:chExt cx="0" cy="0"/>
+        </a:xfrm>
+      </p:grpSpPr>
+      <p:sp>
+        <p:nvSpPr>
+          <p:cNvPr id="2" name="Title 1"/>
+          <p:cNvSpPr>
+            <a:spLocks noGrp="1"/>
+          </p:cNvSpPr>
+          <p:nvPr>
+            <p:ph type="title"/>
+          </p:nvPr>
+        </p:nvSpPr>
+        <p:spPr/>
+        <p:txBody>
+          <a:bodyPr/>
+          <a:lstStyle/>
+          <a:p>
+            <a:pPr marL="0" lvl="0" indent="0">
+              <a:buNone/>
+            </a:pPr>
+            <a:r>
+              <a:t>Task</a:t>
+            </a:r>
+          </a:p>
+        </p:txBody>
+      </p:sp>
+      <p:sp>
+        <p:nvSpPr>
+          <p:cNvPr id="3" name="Content Placeholder 2"/>
+          <p:cNvSpPr>
+            <a:spLocks noGrp="1"/>
+          </p:cNvSpPr>
+          <p:nvPr>
+            <p:ph idx="1"/>
+          </p:nvPr>
+        </p:nvSpPr>
+        <p:spPr/>
+        <p:txBody>
+          <a:bodyPr>
+            <a:normAutofit fontScale="55000" lnSpcReduction="20000"/>
+          </a:bodyPr>
+          <a:lstStyle/>
+          <a:p>
+            <a:pPr marL="0" lvl="0" indent="0">
+              <a:spcBef>
+                <a:spcPts val="3000"/>
+              </a:spcBef>
+              <a:buNone/>
+            </a:pPr>
+            <a:r>
+              <a:rPr b="1"/>
+              <a:t>Exercise: ATM and Customer Interaction with BankAccount</a:t>
+            </a:r>
+          </a:p>
+          <a:p>
+            <a:pPr marL="0" lvl="0" indent="0">
+              <a:buNone/>
+            </a:pPr>
+            <a:r>
+              <a:t>Overview This exercise simulates a real-world banking system where a Customer interacts with their BankAccount through an ATM. Only the ATM can modify the balance, allowing Customer requests for deposits and withdrawals while maintaining controlled access to sensitive account data.</a:t>
+            </a:r>
+          </a:p>
+          <a:p>
+            <a:pPr marL="0" lvl="0" indent="0">
+              <a:buNone/>
+            </a:pPr>
+            <a:r>
+              <a:t>Objectives Understand the concept of encapsulation and controlled access using access modifiers (public, private, package-private). Implement a system where only specific classes (ATM) can modify sensitive data (balance). Demonstrate interaction between multiple classes using method calls and access control.</a:t>
+            </a:r>
+          </a:p>
+          <a:p>
+            <a:pPr lvl="0" indent="0">
+              <a:buNone/>
+            </a:pPr>
+            <a:r>
+              <a:rPr>
+                <a:latin typeface="Courier"/>
+              </a:rPr>
+              <a:t>ATMExampleProject</a:t>
+            </a:r>
+            <a:br/>
+            <a:r>
+              <a:rPr>
+                <a:latin typeface="Courier"/>
+              </a:rPr>
+              <a:t>└── src</a:t>
+            </a:r>
+            <a:br/>
+            <a:r>
+              <a:rPr>
+                <a:latin typeface="Courier"/>
+              </a:rPr>
+              <a:t>    ├── mainPackage</a:t>
+            </a:r>
+            <a:br/>
+            <a:r>
+              <a:rPr>
+                <a:latin typeface="Courier"/>
+              </a:rPr>
+              <a:t>    │   └── Main.java</a:t>
+            </a:r>
+            <a:br/>
+            <a:r>
+              <a:rPr>
+                <a:latin typeface="Courier"/>
+              </a:rPr>
+              <a:t>    ├── customerPackage</a:t>
+            </a:r>
+            <a:br/>
+            <a:r>
+              <a:rPr>
+                <a:latin typeface="Courier"/>
+              </a:rPr>
+              <a:t>    │   └── Customer.java</a:t>
+            </a:r>
+            <a:br/>
+            <a:r>
+              <a:rPr>
+                <a:latin typeface="Courier"/>
+              </a:rPr>
+              <a:t>    └── bankPackage</a:t>
+            </a:r>
+            <a:br/>
+            <a:r>
+              <a:rPr>
+                <a:latin typeface="Courier"/>
+              </a:rPr>
+              <a:t>        ├── BankAccount.java</a:t>
+            </a:r>
+            <a:br/>
+            <a:r>
+              <a:rPr>
+                <a:latin typeface="Courier"/>
+              </a:rPr>
+              <a:t>        └── ATM.java</a:t>
+            </a:r>
+          </a:p>
+          <a:p>
+            <a:pPr marL="0" lvl="0" indent="0">
+              <a:buNone/>
+            </a:pPr>
+            <a:r>
+              <a:t>** Tip: look at Teams for the structure( optional)</a:t>
+            </a:r>
+          </a:p>
+        </p:txBody>
+      </p:sp>
+    </p:spTree>
+  </p:cSld>
+  <p:clrMapOvr>
+    <a:masterClrMapping/>
+  </p:clrMapOvr>
+</p:sld>
+</file>
+
+<file path=ppt/slides/slide2.xml><?xml version="1.0" encoding="utf-8"?>
+<p:sld xmlns:a="http://schemas.openxmlformats.org/drawingml/2006/main" xmlns:r="http://schemas.openxmlformats.org/officeDocument/2006/relationships" xmlns:p="http://schemas.openxmlformats.org/presentationml/2006/main">
+  <p:cSld>
+    <p:spTree>
+      <p:nvGrpSpPr>
+        <p:cNvPr id="1" name=""/>
+        <p:cNvGrpSpPr/>
+        <p:nvPr/>
+      </p:nvGrpSpPr>
+      <p:grpSpPr>
+        <a:xfrm>
+          <a:off x="0" y="0"/>
+          <a:ext cx="0" cy="0"/>
+          <a:chOff x="0" y="0"/>
+          <a:chExt cx="0" cy="0"/>
+        </a:xfrm>
+      </p:grpSpPr>
+      <p:sp>
+        <p:nvSpPr>
+          <p:cNvPr id="2" name="Title 1"/>
+          <p:cNvSpPr>
+            <a:spLocks noGrp="1"/>
+          </p:cNvSpPr>
+          <p:nvPr>
+            <p:ph type="title"/>
+          </p:nvPr>
+        </p:nvSpPr>
+        <p:spPr>
+          <a:xfrm>
+            <a:off x="457201" y="204787"/>
+            <a:ext cx="3008313" cy="871538"/>
+          </a:xfrm>
+        </p:spPr>
+        <p:txBody>
+          <a:bodyPr/>
+          <a:lstStyle/>
+          <a:p>
+            <a:pPr marL="0" lvl="0" indent="0">
+              <a:buNone/>
+            </a:pPr>
+            <a:r>
+              <a:t>Insertion Sort (</a:t>
+            </a:r>
+            <a:r>
+              <a:rPr>
+                <a:latin typeface="Courier"/>
+              </a:rPr>
+              <a:t>O(n^2)</a:t>
+            </a:r>
+            <a:r>
+              <a:t>, </a:t>
+            </a:r>
+            <a:r>
+              <a:rPr>
+                <a:latin typeface="Courier"/>
+              </a:rPr>
+              <a:t>Ω(n)</a:t>
+            </a:r>
+            <a:r>
+              <a:t>, </a:t>
+            </a:r>
+            <a:r>
+              <a:rPr>
+                <a:latin typeface="Courier"/>
+              </a:rPr>
+              <a:t>Θ(n^2)</a:t>
+            </a:r>
+            <a:r>
+              <a:t>)</a:t>
+            </a:r>
+          </a:p>
+        </p:txBody>
+      </p:sp>
+      <p:sp>
+        <p:nvSpPr>
+          <p:cNvPr id="4" name="Text Placeholder 3"/>
+          <p:cNvSpPr>
+            <a:spLocks noGrp="1"/>
+          </p:cNvSpPr>
+          <p:nvPr>
+            <p:ph type="body" sz="half" idx="2"/>
+          </p:nvPr>
+        </p:nvSpPr>
+        <p:spPr/>
+        <p:txBody>
+          <a:bodyPr/>
+          <a:lstStyle/>
+          <a:p>
+            <a:pPr lvl="0"/>
+            <a:r>
+              <a:rPr b="1"/>
+              <a:t>Upper Bound</a:t>
+            </a:r>
+            <a:r>
+              <a:t>: </a:t>
+            </a:r>
+            <a:r>
+              <a:rPr>
+                <a:latin typeface="Courier"/>
+              </a:rPr>
+              <a:t>O(n^2)</a:t>
+            </a:r>
+          </a:p>
+          <a:p>
+            <a:pPr lvl="1"/>
+            <a:r>
+              <a:t>In the worst case, the array is sorted in reverse order, so every new element has to be compared to all previously sorted elements, resulting in </a:t>
+            </a:r>
+            <a:r>
+              <a:rPr>
+                <a:latin typeface="Courier"/>
+              </a:rPr>
+              <a:t>n^2</a:t>
+            </a:r>
+            <a:r>
+              <a:t> comparisons.</a:t>
+            </a:r>
+          </a:p>
+          <a:p>
+            <a:pPr lvl="0"/>
+            <a:r>
+              <a:rPr b="1"/>
+              <a:t>Lower Bound</a:t>
+            </a:r>
+            <a:r>
+              <a:t>: </a:t>
+            </a:r>
+            <a:r>
+              <a:rPr>
+                <a:latin typeface="Courier"/>
+              </a:rPr>
+              <a:t>Ω(n)</a:t>
+            </a:r>
+          </a:p>
+          <a:p>
+            <a:pPr lvl="1"/>
+            <a:r>
+              <a:t>In the best case, the array is already sorted, and each element only needs to be compared once, resulting in a linear time of </a:t>
+            </a:r>
+            <a:r>
+              <a:rPr>
+                <a:latin typeface="Courier"/>
+              </a:rPr>
+              <a:t>n</a:t>
+            </a:r>
+            <a:r>
+              <a:t>.</a:t>
+            </a:r>
+          </a:p>
+          <a:p>
+            <a:pPr lvl="0"/>
+            <a:r>
+              <a:rPr b="1"/>
+              <a:t>Average Case</a:t>
+            </a:r>
+            <a:r>
+              <a:t>: </a:t>
+            </a:r>
+            <a:r>
+              <a:rPr>
+                <a:latin typeface="Courier"/>
+              </a:rPr>
+              <a:t>Θ(n^2)</a:t>
+            </a:r>
+          </a:p>
+          <a:p>
+            <a:pPr lvl="1"/>
+            <a:r>
+              <a:t>On average, the algorithm performs a number of comparisons close to quadratic as most elements will require shifting through multiple comparisons, especially for larger arrays.</a:t>
+            </a:r>
+          </a:p>
+        </p:txBody>
+      </p:sp>
+      <p:pic>
+        <p:nvPicPr>
+          <p:cNvPr id="3" name="Picture 1" descr="./images/InsertionSort.png"/>
+          <p:cNvPicPr>
+            <a:picLocks noGrp="1" noChangeAspect="1"/>
+          </p:cNvPicPr>
+          <p:nvPr/>
+        </p:nvPicPr>
+        <p:blipFill>
+          <a:blip r:embed="rId2"/>
+          <a:stretch>
+            <a:fillRect/>
+          </a:stretch>
+        </p:blipFill>
+        <p:spPr bwMode="auto">
+          <a:xfrm>
+            <a:off x="3568700" y="609600"/>
+            <a:ext cx="5105400" cy="3581400"/>
+          </a:xfrm>
+          <a:prstGeom prst="rect">
+            <a:avLst/>
+          </a:prstGeom>
+          <a:noFill/>
+          <a:ln w="9525">
+            <a:noFill/>
+            <a:headEnd/>
+            <a:tailEnd/>
+          </a:ln>
+        </p:spPr>
+      </p:pic>
+    </p:spTree>
+  </p:cSld>
+  <p:clrMapOvr>
+    <a:masterClrMapping/>
+  </p:clrMapOvr>
+</p:sld>
+</file>
+
+<file path=ppt/slides/slide3.xml><?xml version="1.0" encoding="utf-8"?>
+<p:sld xmlns:a="http://schemas.openxmlformats.org/drawingml/2006/main" xmlns:r="http://schemas.openxmlformats.org/officeDocument/2006/relationships" xmlns:p="http://schemas.openxmlformats.org/presentationml/2006/main">
+  <p:cSld>
+    <p:spTree>
+      <p:nvGrpSpPr>
+        <p:cNvPr id="1" name=""/>
+        <p:cNvGrpSpPr/>
+        <p:nvPr/>
+      </p:nvGrpSpPr>
+      <p:grpSpPr>
+        <a:xfrm>
+          <a:off x="0" y="0"/>
+          <a:ext cx="0" cy="0"/>
+          <a:chOff x="0" y="0"/>
+          <a:chExt cx="0" cy="0"/>
+        </a:xfrm>
+      </p:grpSpPr>
+      <p:sp>
+        <p:nvSpPr>
+          <p:cNvPr id="2" name="Title 1"/>
+          <p:cNvSpPr>
+            <a:spLocks noGrp="1"/>
+          </p:cNvSpPr>
+          <p:nvPr>
+            <p:ph type="title"/>
+          </p:nvPr>
+        </p:nvSpPr>
+        <p:spPr>
+          <a:xfrm>
+            <a:off x="457201" y="204787"/>
+            <a:ext cx="3008313" cy="871538"/>
+          </a:xfrm>
+        </p:spPr>
+        <p:txBody>
+          <a:bodyPr/>
+          <a:lstStyle/>
+          <a:p>
+            <a:pPr marL="0" lvl="0" indent="0">
+              <a:buNone/>
+            </a:pPr>
+            <a:r>
+              <a:t>Quick Sort (</a:t>
+            </a:r>
+            <a:r>
+              <a:rPr>
+                <a:latin typeface="Courier"/>
+              </a:rPr>
+              <a:t>O(n^2)</a:t>
+            </a:r>
+            <a:r>
+              <a:t>, </a:t>
+            </a:r>
+            <a:r>
+              <a:rPr>
+                <a:latin typeface="Courier"/>
+              </a:rPr>
+              <a:t>Ω(n log n)</a:t>
+            </a:r>
+            <a:r>
+              <a:t>, </a:t>
+            </a:r>
+            <a:r>
+              <a:rPr>
+                <a:latin typeface="Courier"/>
+              </a:rPr>
+              <a:t>Θ(n log n)</a:t>
+            </a:r>
+            <a:r>
+              <a:t>)</a:t>
+            </a:r>
+          </a:p>
+        </p:txBody>
+      </p:sp>
+      <p:sp>
+        <p:nvSpPr>
+          <p:cNvPr id="4" name="Text Placeholder 3"/>
+          <p:cNvSpPr>
+            <a:spLocks noGrp="1"/>
+          </p:cNvSpPr>
+          <p:nvPr>
+            <p:ph type="body" sz="half" idx="2"/>
+          </p:nvPr>
+        </p:nvSpPr>
+        <p:spPr/>
+        <p:txBody>
+          <a:bodyPr/>
+          <a:lstStyle/>
+          <a:p>
+            <a:pPr lvl="0"/>
+            <a:r>
+              <a:rPr b="1"/>
+              <a:t>Upper Bound</a:t>
+            </a:r>
+            <a:r>
+              <a:t>: </a:t>
+            </a:r>
+            <a:r>
+              <a:rPr>
+                <a:latin typeface="Courier"/>
+              </a:rPr>
+              <a:t>O(n^2)</a:t>
+            </a:r>
+          </a:p>
+          <a:p>
+            <a:pPr lvl="1"/>
+            <a:r>
+              <a:t>In the worst case, the algorithm will pick the smallest or largest element as the pivot in each iteration, leading to unbalanced partitions. This results in quadratic time complexity, </a:t>
+            </a:r>
+            <a:r>
+              <a:rPr>
+                <a:latin typeface="Courier"/>
+              </a:rPr>
+              <a:t>O(n^2)</a:t>
+            </a:r>
+            <a:r>
+              <a:t>.</a:t>
+            </a:r>
+          </a:p>
+          <a:p>
+            <a:pPr lvl="0"/>
+            <a:r>
+              <a:rPr b="1"/>
+              <a:t>Lower Bound</a:t>
+            </a:r>
+            <a:r>
+              <a:t>: </a:t>
+            </a:r>
+            <a:r>
+              <a:rPr>
+                <a:latin typeface="Courier"/>
+              </a:rPr>
+              <a:t>Ω(n log n)</a:t>
+            </a:r>
+          </a:p>
+          <a:p>
+            <a:pPr lvl="1"/>
+            <a:r>
+              <a:t>In the best case, the pivot divides the list into two equal-sized sub-lists, resulting in logarithmic depth and </a:t>
+            </a:r>
+            <a:r>
+              <a:rPr>
+                <a:latin typeface="Courier"/>
+              </a:rPr>
+              <a:t>n</a:t>
+            </a:r>
+            <a:r>
+              <a:t> comparisons per level. Thus, the time complexity is </a:t>
+            </a:r>
+            <a:r>
+              <a:rPr>
+                <a:latin typeface="Courier"/>
+              </a:rPr>
+              <a:t>O(n log n)</a:t>
+            </a:r>
+            <a:r>
+              <a:t>.</a:t>
+            </a:r>
+          </a:p>
+          <a:p>
+            <a:pPr lvl="0"/>
+            <a:r>
+              <a:rPr b="1"/>
+              <a:t>Average Case</a:t>
+            </a:r>
+            <a:r>
+              <a:t>: </a:t>
+            </a:r>
+            <a:r>
+              <a:rPr>
+                <a:latin typeface="Courier"/>
+              </a:rPr>
+              <a:t>Θ(n log n)</a:t>
+            </a:r>
+          </a:p>
+          <a:p>
+            <a:pPr lvl="1"/>
+            <a:r>
+              <a:t>On average, Quick Sort performs well because the pivot tends to split the list into fairly balanced partitions, making the expected time complexity </a:t>
+            </a:r>
+            <a:r>
+              <a:rPr>
+                <a:latin typeface="Courier"/>
+              </a:rPr>
+              <a:t>Θ(n log n)</a:t>
+            </a:r>
+            <a:r>
+              <a:t>. It’s suitable for large datasets.</a:t>
+            </a:r>
+          </a:p>
+        </p:txBody>
+      </p:sp>
+      <p:pic>
+        <p:nvPicPr>
+          <p:cNvPr id="3" name="Picture 1" descr="./images/quicksort.png"/>
+          <p:cNvPicPr>
+            <a:picLocks noGrp="1" noChangeAspect="1"/>
+          </p:cNvPicPr>
+          <p:nvPr/>
+        </p:nvPicPr>
+        <p:blipFill>
+          <a:blip r:embed="rId2"/>
+          <a:stretch>
+            <a:fillRect/>
+          </a:stretch>
+        </p:blipFill>
+        <p:spPr bwMode="auto">
+          <a:xfrm>
+            <a:off x="4305300" y="203200"/>
+            <a:ext cx="3644900" cy="4381500"/>
+          </a:xfrm>
+          <a:prstGeom prst="rect">
+            <a:avLst/>
+          </a:prstGeom>
+          <a:noFill/>
+          <a:ln w="9525">
+            <a:noFill/>
+            <a:headEnd/>
+            <a:tailEnd/>
+          </a:ln>
+        </p:spPr>
+      </p:pic>
+    </p:spTree>
+  </p:cSld>
+  <p:clrMapOvr>
+    <a:masterClrMapping/>
+  </p:clrMapOvr>
+</p:sld>
+</file>
+
+<file path=ppt/slides/slide4.xml><?xml version="1.0" encoding="utf-8"?>
+<p:sld xmlns:a="http://schemas.openxmlformats.org/drawingml/2006/main" xmlns:r="http://schemas.openxmlformats.org/officeDocument/2006/relationships" xmlns:p="http://schemas.openxmlformats.org/presentationml/2006/main">
+  <p:cSld>
+    <p:spTree>
+      <p:nvGrpSpPr>
+        <p:cNvPr id="1" name=""/>
+        <p:cNvGrpSpPr/>
+        <p:nvPr/>
+      </p:nvGrpSpPr>
+      <p:grpSpPr>
+        <a:xfrm>
+          <a:off x="0" y="0"/>
+          <a:ext cx="0" cy="0"/>
+          <a:chOff x="0" y="0"/>
+          <a:chExt cx="0" cy="0"/>
+        </a:xfrm>
+      </p:grpSpPr>
+      <p:sp>
+        <p:nvSpPr>
+          <p:cNvPr id="2" name="Title 1"/>
+          <p:cNvSpPr>
+            <a:spLocks noGrp="1"/>
+          </p:cNvSpPr>
+          <p:nvPr>
+            <p:ph type="title"/>
+          </p:nvPr>
+        </p:nvSpPr>
+        <p:spPr>
+          <a:xfrm>
+            <a:off x="457201" y="204787"/>
+            <a:ext cx="3008313" cy="871538"/>
+          </a:xfrm>
+        </p:spPr>
+        <p:txBody>
+          <a:bodyPr/>
+          <a:lstStyle/>
+          <a:p>
+            <a:pPr marL="0" lvl="0" indent="0">
+              <a:buNone/>
+            </a:pPr>
+            <a:r>
+              <a:t>Create Modules</a:t>
+            </a:r>
+          </a:p>
+        </p:txBody>
+      </p:sp>
+      <p:sp>
+        <p:nvSpPr>
+          <p:cNvPr id="4" name="Text Placeholder 3"/>
+          <p:cNvSpPr>
+            <a:spLocks noGrp="1"/>
+          </p:cNvSpPr>
+          <p:nvPr>
+            <p:ph type="body" sz="half" idx="2"/>
+          </p:nvPr>
+        </p:nvSpPr>
+        <p:spPr/>
+        <p:txBody>
+          <a:bodyPr/>
+          <a:lstStyle/>
+          <a:p>
+            <a:pPr marL="0" lvl="0" indent="0">
+              <a:spcBef>
+                <a:spcPts val="3000"/>
+              </a:spcBef>
+              <a:buNone/>
+            </a:pPr>
+            <a:r>
+              <a:rPr b="1"/>
+              <a:t>Right click on Project’s name</a:t>
+            </a:r>
+          </a:p>
+          <a:p>
+            <a:pPr marL="0" lvl="0" indent="0">
+              <a:spcBef>
+                <a:spcPts val="3000"/>
+              </a:spcBef>
+              <a:buNone/>
+            </a:pPr>
+            <a:r>
+              <a:rPr b="1"/>
+              <a:t>New -&gt; Module</a:t>
+            </a:r>
+          </a:p>
+          <a:p>
+            <a:pPr marL="0" lvl="0" indent="0">
+              <a:spcBef>
+                <a:spcPts val="3000"/>
+              </a:spcBef>
+              <a:buNone/>
+            </a:pPr>
+            <a:r>
+              <a:rPr b="1"/>
+              <a:t>Give a Name and specify the SDK</a:t>
+            </a:r>
+          </a:p>
+          <a:p>
+            <a:pPr marL="0" lvl="0" indent="0">
+              <a:spcBef>
+                <a:spcPts val="3000"/>
+              </a:spcBef>
+              <a:buNone/>
+            </a:pPr>
+            <a:r>
+              <a:rPr b="1"/>
+              <a:t>Then the new Module file looks like:</a:t>
+            </a:r>
+          </a:p>
+        </p:txBody>
+      </p:sp>
+      <p:pic>
+        <p:nvPicPr>
+          <p:cNvPr id="3" name="Picture 1" descr="images/module.png"/>
+          <p:cNvPicPr>
+            <a:picLocks noGrp="1" noChangeAspect="1"/>
+          </p:cNvPicPr>
+          <p:nvPr/>
+        </p:nvPicPr>
+        <p:blipFill>
+          <a:blip r:embed="rId2"/>
+          <a:stretch>
+            <a:fillRect/>
+          </a:stretch>
+        </p:blipFill>
+        <p:spPr bwMode="auto">
+          <a:xfrm>
+            <a:off x="2821899" y="1082644"/>
+            <a:ext cx="5105400" cy="495300"/>
+          </a:xfrm>
+          <a:prstGeom prst="rect">
+            <a:avLst/>
+          </a:prstGeom>
+          <a:noFill/>
+          <a:ln w="9525">
+            <a:noFill/>
+            <a:headEnd/>
+            <a:tailEnd/>
+          </a:ln>
+        </p:spPr>
+      </p:pic>
+      <p:pic>
+        <p:nvPicPr>
+          <p:cNvPr id="5" name="Picture 4" descr="code/module_2.png"/>
+          <p:cNvPicPr>
+            <a:picLocks noGrp="1" noChangeAspect="1"/>
+          </p:cNvPicPr>
+          <p:nvPr/>
+        </p:nvPicPr>
+        <p:blipFill>
+          <a:blip r:embed="rId3"/>
+          <a:stretch>
+            <a:fillRect/>
+          </a:stretch>
+        </p:blipFill>
+        <p:spPr bwMode="auto">
+          <a:xfrm>
+            <a:off x="2868116" y="1856561"/>
+            <a:ext cx="5353987" cy="1181513"/>
+          </a:xfrm>
+          <a:prstGeom prst="rect">
+            <a:avLst/>
+          </a:prstGeom>
+          <a:noFill/>
+          <a:ln w="9525">
+            <a:noFill/>
+            <a:headEnd/>
+            <a:tailEnd/>
+          </a:ln>
+        </p:spPr>
+      </p:pic>
+      <p:pic>
+        <p:nvPicPr>
+          <p:cNvPr id="7" name="Picture 1" descr="images/pack.png"/>
+          <p:cNvPicPr>
+            <a:picLocks noGrp="1" noChangeAspect="1"/>
+          </p:cNvPicPr>
+          <p:nvPr/>
+        </p:nvPicPr>
+        <p:blipFill>
+          <a:blip r:embed="rId4"/>
+          <a:stretch>
+            <a:fillRect/>
+          </a:stretch>
+        </p:blipFill>
+        <p:spPr bwMode="auto">
+          <a:xfrm>
+            <a:off x="457201" y="3307733"/>
+            <a:ext cx="2810448" cy="950799"/>
+          </a:xfrm>
+          <a:prstGeom prst="rect">
+            <a:avLst/>
+          </a:prstGeom>
+          <a:noFill/>
+          <a:ln w="9525">
+            <a:noFill/>
+            <a:headEnd/>
+            <a:tailEnd/>
+          </a:ln>
+        </p:spPr>
+      </p:pic>
+    </p:spTree>
+  </p:cSld>
+  <p:clrMapOvr>
+    <a:masterClrMapping/>
+  </p:clrMapOvr>
+</p:sld>
+</file>
+
+<file path=ppt/slides/slide5.xml><?xml version="1.0" encoding="utf-8"?>
+<p:sld xmlns:a="http://schemas.openxmlformats.org/drawingml/2006/main" xmlns:r="http://schemas.openxmlformats.org/officeDocument/2006/relationships" xmlns:p="http://schemas.openxmlformats.org/presentationml/2006/main">
+  <p:cSld>
+    <p:spTree>
+      <p:nvGrpSpPr>
+        <p:cNvPr id="1" name=""/>
+        <p:cNvGrpSpPr/>
+        <p:nvPr/>
+      </p:nvGrpSpPr>
+      <p:grpSpPr>
+        <a:xfrm>
+          <a:off x="0" y="0"/>
+          <a:ext cx="0" cy="0"/>
+          <a:chOff x="0" y="0"/>
+          <a:chExt cx="0" cy="0"/>
+        </a:xfrm>
+      </p:grpSpPr>
+      <p:sp>
+        <p:nvSpPr>
+          <p:cNvPr id="2" name="Title 1"/>
+          <p:cNvSpPr>
+            <a:spLocks noGrp="1"/>
+          </p:cNvSpPr>
+          <p:nvPr>
+            <p:ph type="title"/>
+          </p:nvPr>
+        </p:nvSpPr>
+        <p:spPr>
+          <a:xfrm>
+            <a:off x="-2949532" y="0"/>
+            <a:ext cx="8229600" cy="857250"/>
+          </a:xfrm>
+        </p:spPr>
+        <p:txBody>
+          <a:bodyPr/>
+          <a:lstStyle/>
+          <a:p>
+            <a:pPr marL="0" lvl="0" indent="0">
+              <a:buNone/>
+            </a:pPr>
+            <a:r>
+              <a:rPr dirty="0"/>
+              <a:t>Class</a:t>
+            </a:r>
+          </a:p>
+        </p:txBody>
+      </p:sp>
+      <p:pic>
+        <p:nvPicPr>
+          <p:cNvPr id="6" name="Picture 5" descr="images/modul.png"/>
+          <p:cNvPicPr>
+            <a:picLocks noGrp="1" noChangeAspect="1"/>
+          </p:cNvPicPr>
+          <p:nvPr/>
+        </p:nvPicPr>
+        <p:blipFill>
+          <a:blip r:embed="rId2"/>
+          <a:stretch>
+            <a:fillRect/>
+          </a:stretch>
+        </p:blipFill>
+        <p:spPr bwMode="auto">
+          <a:xfrm>
+            <a:off x="464228" y="714895"/>
+            <a:ext cx="2803161" cy="1732509"/>
+          </a:xfrm>
+          <a:prstGeom prst="rect">
+            <a:avLst/>
+          </a:prstGeom>
+          <a:noFill/>
+          <a:ln w="9525">
+            <a:noFill/>
+            <a:headEnd/>
+            <a:tailEnd/>
+          </a:ln>
+        </p:spPr>
+      </p:pic>
+      <p:pic>
+        <p:nvPicPr>
+          <p:cNvPr id="5" name="Picture 4" descr="A screenshot of a computer program&#10;&#10;Description automatically generated">
+            <a:extLst>
+              <a:ext uri="{FF2B5EF4-FFF2-40B4-BE49-F238E27FC236}">
+                <a16:creationId xmlns:a16="http://schemas.microsoft.com/office/drawing/2014/main" id="{346DA499-1FAF-767E-0E5D-09CE5D204027}"/>
+              </a:ext>
+            </a:extLst>
+          </p:cNvPr>
+          <p:cNvPicPr>
+            <a:picLocks noChangeAspect="1"/>
+          </p:cNvPicPr>
+          <p:nvPr/>
+        </p:nvPicPr>
+        <p:blipFill>
+          <a:blip r:embed="rId3"/>
+          <a:stretch>
+            <a:fillRect/>
+          </a:stretch>
+        </p:blipFill>
+        <p:spPr>
+          <a:xfrm>
+            <a:off x="3556949" y="-261506"/>
+            <a:ext cx="5817437" cy="5732666"/>
+          </a:xfrm>
+          <a:prstGeom prst="rect">
+            <a:avLst/>
+          </a:prstGeom>
+        </p:spPr>
+      </p:pic>
+    </p:spTree>
+  </p:cSld>
+  <p:clrMapOvr>
+    <a:masterClrMapping/>
+  </p:clrMapOvr>
+</p:sld>
+</file>
+
+<file path=ppt/slides/slide6.xml><?xml version="1.0" encoding="utf-8"?>
+<p:sld xmlns:a="http://schemas.openxmlformats.org/drawingml/2006/main" xmlns:r="http://schemas.openxmlformats.org/officeDocument/2006/relationships" xmlns:p="http://schemas.openxmlformats.org/presentationml/2006/main">
+  <p:cSld>
+    <p:spTree>
+      <p:nvGrpSpPr>
+        <p:cNvPr id="1" name=""/>
+        <p:cNvGrpSpPr/>
+        <p:nvPr/>
+      </p:nvGrpSpPr>
+      <p:grpSpPr>
+        <a:xfrm>
+          <a:off x="0" y="0"/>
+          <a:ext cx="0" cy="0"/>
+          <a:chOff x="0" y="0"/>
+          <a:chExt cx="0" cy="0"/>
+        </a:xfrm>
+      </p:grpSpPr>
+      <p:sp>
+        <p:nvSpPr>
+          <p:cNvPr id="2" name="Title 1"/>
+          <p:cNvSpPr>
+            <a:spLocks noGrp="1"/>
+          </p:cNvSpPr>
+          <p:nvPr>
+            <p:ph type="title"/>
+          </p:nvPr>
+        </p:nvSpPr>
+        <p:spPr>
+          <a:xfrm>
+            <a:off x="-2949532" y="0"/>
+            <a:ext cx="8229600" cy="857250"/>
+          </a:xfrm>
+        </p:spPr>
+        <p:txBody>
+          <a:bodyPr/>
+          <a:lstStyle/>
+          <a:p>
+            <a:pPr marL="0" lvl="0" indent="0">
+              <a:buNone/>
+            </a:pPr>
+            <a:r>
+              <a:rPr dirty="0"/>
+              <a:t>Class</a:t>
+            </a:r>
+          </a:p>
+        </p:txBody>
+      </p:sp>
+      <p:pic>
+        <p:nvPicPr>
+          <p:cNvPr id="6" name="Picture 5" descr="images/modul.png"/>
+          <p:cNvPicPr>
+            <a:picLocks noGrp="1" noChangeAspect="1"/>
+          </p:cNvPicPr>
+          <p:nvPr/>
+        </p:nvPicPr>
+        <p:blipFill>
+          <a:blip r:embed="rId2"/>
+          <a:stretch>
+            <a:fillRect/>
+          </a:stretch>
+        </p:blipFill>
+        <p:spPr bwMode="auto">
+          <a:xfrm>
+            <a:off x="464228" y="714895"/>
+            <a:ext cx="2803161" cy="1732509"/>
+          </a:xfrm>
+          <a:prstGeom prst="rect">
+            <a:avLst/>
+          </a:prstGeom>
+          <a:noFill/>
+          <a:ln w="9525">
+            <a:noFill/>
+            <a:headEnd/>
+            <a:tailEnd/>
+          </a:ln>
+        </p:spPr>
+      </p:pic>
+      <p:pic>
+        <p:nvPicPr>
+          <p:cNvPr id="4" name="Picture 3" descr="A white rectangular object with a gray border&#10;&#10;Description automatically generated">
+            <a:extLst>
+              <a:ext uri="{FF2B5EF4-FFF2-40B4-BE49-F238E27FC236}">
+                <a16:creationId xmlns:a16="http://schemas.microsoft.com/office/drawing/2014/main" id="{741F2A93-D69C-321E-F0D0-D4FC9B38F0C7}"/>
+              </a:ext>
+            </a:extLst>
+          </p:cNvPr>
+          <p:cNvPicPr>
+            <a:picLocks noChangeAspect="1"/>
+          </p:cNvPicPr>
+          <p:nvPr/>
+        </p:nvPicPr>
+        <p:blipFill>
+          <a:blip r:embed="rId3"/>
+          <a:stretch>
+            <a:fillRect/>
+          </a:stretch>
+        </p:blipFill>
+        <p:spPr>
+          <a:xfrm>
+            <a:off x="230386" y="2696097"/>
+            <a:ext cx="9144000" cy="2806492"/>
+          </a:xfrm>
+          <a:prstGeom prst="rect">
+            <a:avLst/>
+          </a:prstGeom>
+        </p:spPr>
+      </p:pic>
+      <p:pic>
+        <p:nvPicPr>
+          <p:cNvPr id="5" name="Picture 4" descr="A screenshot of a computer program&#10;&#10;Description automatically generated">
+            <a:extLst>
+              <a:ext uri="{FF2B5EF4-FFF2-40B4-BE49-F238E27FC236}">
+                <a16:creationId xmlns:a16="http://schemas.microsoft.com/office/drawing/2014/main" id="{346DA499-1FAF-767E-0E5D-09CE5D204027}"/>
+              </a:ext>
+            </a:extLst>
+          </p:cNvPr>
+          <p:cNvPicPr>
+            <a:picLocks noChangeAspect="1"/>
+          </p:cNvPicPr>
+          <p:nvPr/>
+        </p:nvPicPr>
+        <p:blipFill>
+          <a:blip r:embed="rId4"/>
+          <a:stretch>
+            <a:fillRect/>
+          </a:stretch>
+        </p:blipFill>
+        <p:spPr>
+          <a:xfrm>
+            <a:off x="3556949" y="-261506"/>
+            <a:ext cx="5817437" cy="5732666"/>
+          </a:xfrm>
+          <a:prstGeom prst="rect">
+            <a:avLst/>
+          </a:prstGeom>
+        </p:spPr>
+      </p:pic>
+    </p:spTree>
+    <p:extLst>
+      <p:ext uri="{BB962C8B-B14F-4D97-AF65-F5344CB8AC3E}">
+        <p14:creationId xmlns:p14="http://schemas.microsoft.com/office/powerpoint/2010/main" val="2032978690"/>
+      </p:ext>
+    </p:extLst>
+  </p:cSld>
+  <p:clrMapOvr>
+    <a:masterClrMapping/>
+  </p:clrMapOvr>
+</p:sld>
+</file>
+
+<file path=ppt/slides/slide7.xml><?xml version="1.0" encoding="utf-8"?>
+<p:sld xmlns:a="http://schemas.openxmlformats.org/drawingml/2006/main" xmlns:r="http://schemas.openxmlformats.org/officeDocument/2006/relationships" xmlns:p="http://schemas.openxmlformats.org/presentationml/2006/main">
+  <p:cSld>
+    <p:spTree>
+      <p:nvGrpSpPr>
+        <p:cNvPr id="1" name=""/>
+        <p:cNvGrpSpPr/>
+        <p:nvPr/>
+      </p:nvGrpSpPr>
+      <p:grpSpPr>
+        <a:xfrm>
+          <a:off x="0" y="0"/>
+          <a:ext cx="0" cy="0"/>
+          <a:chOff x="0" y="0"/>
+          <a:chExt cx="0" cy="0"/>
+        </a:xfrm>
+      </p:grpSpPr>
+      <p:sp>
+        <p:nvSpPr>
+          <p:cNvPr id="2" name="Title 1"/>
+          <p:cNvSpPr>
+            <a:spLocks noGrp="1"/>
+          </p:cNvSpPr>
+          <p:nvPr>
+            <p:ph type="title"/>
+          </p:nvPr>
+        </p:nvSpPr>
+        <p:spPr>
+          <a:xfrm>
+            <a:off x="457201" y="204787"/>
+            <a:ext cx="3008313" cy="871538"/>
+          </a:xfrm>
+        </p:spPr>
+        <p:txBody>
+          <a:bodyPr/>
+          <a:lstStyle/>
+          <a:p>
+            <a:pPr marL="0" lvl="0" indent="0">
+              <a:buNone/>
+            </a:pPr>
+            <a:r>
+              <a:t>Create Packages</a:t>
+            </a:r>
+          </a:p>
+        </p:txBody>
+      </p:sp>
+      <p:sp>
+        <p:nvSpPr>
+          <p:cNvPr id="4" name="Text Placeholder 3"/>
+          <p:cNvSpPr>
+            <a:spLocks noGrp="1"/>
+          </p:cNvSpPr>
+          <p:nvPr>
+            <p:ph type="body" sz="half" idx="2"/>
+          </p:nvPr>
+        </p:nvSpPr>
+        <p:spPr/>
+        <p:txBody>
+          <a:bodyPr/>
+          <a:lstStyle/>
+          <a:p>
+            <a:pPr marL="342900" lvl="0" indent="-342900">
+              <a:buAutoNum type="arabicPeriod"/>
+            </a:pPr>
+            <a:r>
+              <a:t>Right click on src folder</a:t>
+            </a:r>
+          </a:p>
+          <a:p>
+            <a:pPr lvl="1"/>
+            <a:r>
+              <a:t>New -&gt; Package</a:t>
+            </a:r>
+          </a:p>
+          <a:p>
+            <a:pPr marL="342900" lvl="0" indent="-342900">
+              <a:buAutoNum type="arabicPeriod"/>
+            </a:pPr>
+            <a:r>
+              <a:t>Create the packages and sub-packages of image</a:t>
+            </a:r>
+          </a:p>
+        </p:txBody>
+      </p:sp>
+      <p:pic>
+        <p:nvPicPr>
+          <p:cNvPr id="5" name="Picture 4" descr="images/fixed_pack.png"/>
+          <p:cNvPicPr>
+            <a:picLocks noGrp="1" noChangeAspect="1"/>
+          </p:cNvPicPr>
+          <p:nvPr/>
+        </p:nvPicPr>
+        <p:blipFill>
+          <a:blip r:embed="rId2"/>
+          <a:stretch>
+            <a:fillRect/>
+          </a:stretch>
+        </p:blipFill>
+        <p:spPr bwMode="auto">
+          <a:xfrm>
+            <a:off x="374349" y="1886248"/>
+            <a:ext cx="2896611" cy="3156715"/>
+          </a:xfrm>
+          <a:prstGeom prst="rect">
+            <a:avLst/>
+          </a:prstGeom>
+          <a:noFill/>
+          <a:ln w="9525">
+            <a:noFill/>
+            <a:headEnd/>
+            <a:tailEnd/>
+          </a:ln>
+        </p:spPr>
+      </p:pic>
+      <p:pic>
+        <p:nvPicPr>
+          <p:cNvPr id="7" name="Picture 6" descr="code/packpack.png"/>
+          <p:cNvPicPr>
+            <a:picLocks noGrp="1" noChangeAspect="1"/>
+          </p:cNvPicPr>
+          <p:nvPr/>
+        </p:nvPicPr>
+        <p:blipFill>
+          <a:blip r:embed="rId3"/>
+          <a:stretch>
+            <a:fillRect/>
+          </a:stretch>
+        </p:blipFill>
+        <p:spPr bwMode="auto">
+          <a:xfrm>
+            <a:off x="3465514" y="1343622"/>
+            <a:ext cx="7087797" cy="2723552"/>
+          </a:xfrm>
+          <a:prstGeom prst="rect">
+            <a:avLst/>
+          </a:prstGeom>
+          <a:noFill/>
+          <a:ln w="9525">
+            <a:noFill/>
+            <a:headEnd/>
+            <a:tailEnd/>
+          </a:ln>
+        </p:spPr>
+      </p:pic>
+    </p:spTree>
+  </p:cSld>
+  <p:clrMapOvr>
+    <a:masterClrMapping/>
+  </p:clrMapOvr>
+</p:sld>
+</file>
+
+<file path=ppt/slides/slide8.xml><?xml version="1.0" encoding="utf-8"?>
+<p:sld xmlns:a="http://schemas.openxmlformats.org/drawingml/2006/main" xmlns:r="http://schemas.openxmlformats.org/officeDocument/2006/relationships" xmlns:p="http://schemas.openxmlformats.org/presentationml/2006/main">
+  <p:cSld>
+    <p:spTree>
+      <p:nvGrpSpPr>
+        <p:cNvPr id="1" name=""/>
+        <p:cNvGrpSpPr/>
+        <p:nvPr/>
+      </p:nvGrpSpPr>
+      <p:grpSpPr>
+        <a:xfrm>
+          <a:off x="0" y="0"/>
+          <a:ext cx="0" cy="0"/>
+          <a:chOff x="0" y="0"/>
+          <a:chExt cx="0" cy="0"/>
+        </a:xfrm>
+      </p:grpSpPr>
+      <p:sp>
+        <p:nvSpPr>
+          <p:cNvPr id="2" name="Title 1"/>
+          <p:cNvSpPr>
+            <a:spLocks noGrp="1"/>
+          </p:cNvSpPr>
+          <p:nvPr>
+            <p:ph type="title"/>
+          </p:nvPr>
+        </p:nvSpPr>
+        <p:spPr/>
+        <p:txBody>
+          <a:bodyPr/>
+          <a:lstStyle/>
+          <a:p>
+            <a:pPr marL="0" lvl="0" indent="0" algn="l">
+              <a:buNone/>
+            </a:pPr>
+            <a:r>
+              <a:rPr dirty="0"/>
+              <a:t>Example 1: </a:t>
+            </a:r>
+            <a:r>
+              <a:rPr lang="en-US" dirty="0"/>
+              <a:t>P</a:t>
+            </a:r>
+            <a:r>
+              <a:rPr dirty="0"/>
+              <a:t>ackage</a:t>
+            </a:r>
+            <a:r>
+              <a:rPr lang="en-US" dirty="0"/>
+              <a:t> </a:t>
+            </a:r>
+            <a:r>
+              <a:rPr lang="en-US" dirty="0" err="1"/>
+              <a:t>University_pack</a:t>
+            </a:r>
+            <a:endParaRPr dirty="0"/>
+          </a:p>
+        </p:txBody>
+      </p:sp>
+      <p:pic>
+        <p:nvPicPr>
+          <p:cNvPr id="3" name="Picture 1" descr="code/building.png"/>
+          <p:cNvPicPr>
+            <a:picLocks noGrp="1" noChangeAspect="1"/>
+          </p:cNvPicPr>
+          <p:nvPr/>
+        </p:nvPicPr>
+        <p:blipFill>
+          <a:blip r:embed="rId2"/>
+          <a:stretch>
+            <a:fillRect/>
+          </a:stretch>
+        </p:blipFill>
+        <p:spPr bwMode="auto">
+          <a:xfrm>
+            <a:off x="-283556" y="1150713"/>
+            <a:ext cx="3365500" cy="3390900"/>
+          </a:xfrm>
+          <a:prstGeom prst="rect">
+            <a:avLst/>
+          </a:prstGeom>
+          <a:noFill/>
+          <a:ln w="9525">
+            <a:noFill/>
+            <a:headEnd/>
+            <a:tailEnd/>
+          </a:ln>
+        </p:spPr>
+      </p:pic>
+      <p:pic>
+        <p:nvPicPr>
+          <p:cNvPr id="4" name="Picture 3" descr="code/department.png"/>
+          <p:cNvPicPr>
+            <a:picLocks noGrp="1" noChangeAspect="1"/>
+          </p:cNvPicPr>
+          <p:nvPr/>
+        </p:nvPicPr>
+        <p:blipFill>
+          <a:blip r:embed="rId3"/>
+          <a:stretch>
+            <a:fillRect/>
+          </a:stretch>
+        </p:blipFill>
+        <p:spPr bwMode="auto">
+          <a:xfrm>
+            <a:off x="2113586" y="1150713"/>
+            <a:ext cx="3314700" cy="3390900"/>
+          </a:xfrm>
+          <a:prstGeom prst="rect">
+            <a:avLst/>
+          </a:prstGeom>
+          <a:noFill/>
+          <a:ln w="9525">
+            <a:noFill/>
+            <a:headEnd/>
+            <a:tailEnd/>
+          </a:ln>
+        </p:spPr>
+      </p:pic>
+      <p:pic>
+        <p:nvPicPr>
+          <p:cNvPr id="5" name="Picture 1" descr="code/university.png"/>
+          <p:cNvPicPr>
+            <a:picLocks noGrp="1" noChangeAspect="1"/>
+          </p:cNvPicPr>
+          <p:nvPr/>
+        </p:nvPicPr>
+        <p:blipFill>
+          <a:blip r:embed="rId4"/>
+          <a:stretch>
+            <a:fillRect/>
+          </a:stretch>
+        </p:blipFill>
+        <p:spPr bwMode="auto">
+          <a:xfrm>
+            <a:off x="4912863" y="875265"/>
+            <a:ext cx="4126206" cy="4571357"/>
+          </a:xfrm>
+          <a:prstGeom prst="rect">
+            <a:avLst/>
+          </a:prstGeom>
+          <a:noFill/>
+          <a:ln w="9525">
+            <a:noFill/>
+            <a:headEnd/>
+            <a:tailEnd/>
+          </a:ln>
+        </p:spPr>
+      </p:pic>
+    </p:spTree>
+  </p:cSld>
+  <p:clrMapOvr>
+    <a:masterClrMapping/>
+  </p:clrMapOvr>
+</p:sld>
+</file>
+
+<file path=ppt/slides/slide9.xml><?xml version="1.0" encoding="utf-8"?>
+<p:sld xmlns:a="http://schemas.openxmlformats.org/drawingml/2006/main" xmlns:r="http://schemas.openxmlformats.org/officeDocument/2006/relationships" xmlns:p="http://schemas.openxmlformats.org/presentationml/2006/main">
+  <p:cSld>
+    <p:spTree>
+      <p:nvGrpSpPr>
+        <p:cNvPr id="1" name=""/>
+        <p:cNvGrpSpPr/>
+        <p:nvPr/>
+      </p:nvGrpSpPr>
+      <p:grpSpPr>
+        <a:xfrm>
+          <a:off x="0" y="0"/>
+          <a:ext cx="0" cy="0"/>
+          <a:chOff x="0" y="0"/>
+          <a:chExt cx="0" cy="0"/>
+        </a:xfrm>
+      </p:grpSpPr>
+      <p:sp>
+        <p:nvSpPr>
+          <p:cNvPr id="2" name="Title 1"/>
+          <p:cNvSpPr>
+            <a:spLocks noGrp="1"/>
+          </p:cNvSpPr>
+          <p:nvPr>
+            <p:ph type="title"/>
+          </p:nvPr>
+        </p:nvSpPr>
+        <p:spPr>
+          <a:xfrm>
+            <a:off x="3519054" y="-222646"/>
+            <a:ext cx="8229600" cy="857250"/>
+          </a:xfrm>
+        </p:spPr>
+        <p:txBody>
+          <a:bodyPr/>
+          <a:lstStyle/>
+          <a:p>
+            <a:pPr marL="0" lvl="0" indent="0">
+              <a:buNone/>
+            </a:pPr>
+            <a:r>
+              <a:rPr dirty="0"/>
+              <a:t>Example 1: Main</a:t>
+            </a:r>
+          </a:p>
+        </p:txBody>
+      </p:sp>
+      <p:pic>
+        <p:nvPicPr>
+          <p:cNvPr id="3" name="Picture 1" descr="code/main.png"/>
+          <p:cNvPicPr>
+            <a:picLocks noGrp="1" noChangeAspect="1"/>
+          </p:cNvPicPr>
+          <p:nvPr/>
+        </p:nvPicPr>
+        <p:blipFill>
+          <a:blip r:embed="rId2"/>
+          <a:stretch>
+            <a:fillRect/>
+          </a:stretch>
+        </p:blipFill>
+        <p:spPr bwMode="auto">
+          <a:xfrm>
+            <a:off x="225218" y="-170996"/>
+            <a:ext cx="5977108" cy="5639179"/>
+          </a:xfrm>
+          <a:prstGeom prst="rect">
+            <a:avLst/>
+          </a:prstGeom>
+          <a:noFill/>
+          <a:ln w="9525">
+            <a:noFill/>
+            <a:headEnd/>
+            <a:tailEnd/>
+          </a:ln>
+        </p:spPr>
+      </p:pic>
     </p:spTree>
   </p:cSld>
   <p:clrMapOvr>
